--- a/docs/slides/lesson_06.pptx
+++ b/docs/slides/lesson_06.pptx
@@ -5,7 +5,7 @@
     <p:sldMasterId id="2147483648" r:id="rId1"/>
   </p:sldMasterIdLst>
   <p:notesMasterIdLst>
-    <p:notesMasterId r:id="rId22"/>
+    <p:notesMasterId r:id="rId24"/>
   </p:notesMasterIdLst>
   <p:sldIdLst>
     <p:sldId id="256" r:id="rId2"/>
@@ -14,20 +14,22 @@
     <p:sldId id="259" r:id="rId5"/>
     <p:sldId id="260" r:id="rId6"/>
     <p:sldId id="261" r:id="rId7"/>
-    <p:sldId id="262" r:id="rId8"/>
-    <p:sldId id="263" r:id="rId9"/>
-    <p:sldId id="265" r:id="rId10"/>
-    <p:sldId id="264" r:id="rId11"/>
-    <p:sldId id="266" r:id="rId12"/>
-    <p:sldId id="267" r:id="rId13"/>
-    <p:sldId id="269" r:id="rId14"/>
-    <p:sldId id="268" r:id="rId15"/>
-    <p:sldId id="270" r:id="rId16"/>
-    <p:sldId id="271" r:id="rId17"/>
-    <p:sldId id="272" r:id="rId18"/>
-    <p:sldId id="273" r:id="rId19"/>
-    <p:sldId id="274" r:id="rId20"/>
-    <p:sldId id="275" r:id="rId21"/>
+    <p:sldId id="276" r:id="rId8"/>
+    <p:sldId id="277" r:id="rId9"/>
+    <p:sldId id="262" r:id="rId10"/>
+    <p:sldId id="263" r:id="rId11"/>
+    <p:sldId id="265" r:id="rId12"/>
+    <p:sldId id="264" r:id="rId13"/>
+    <p:sldId id="266" r:id="rId14"/>
+    <p:sldId id="267" r:id="rId15"/>
+    <p:sldId id="269" r:id="rId16"/>
+    <p:sldId id="268" r:id="rId17"/>
+    <p:sldId id="270" r:id="rId18"/>
+    <p:sldId id="271" r:id="rId19"/>
+    <p:sldId id="272" r:id="rId20"/>
+    <p:sldId id="273" r:id="rId21"/>
+    <p:sldId id="274" r:id="rId22"/>
+    <p:sldId id="275" r:id="rId23"/>
   </p:sldIdLst>
   <p:sldSz cx="12192000" cy="6858000"/>
   <p:notesSz cx="6858000" cy="9144000"/>
@@ -137,6 +139,8 @@
             <p14:sldId id="259"/>
             <p14:sldId id="260"/>
             <p14:sldId id="261"/>
+            <p14:sldId id="276"/>
+            <p14:sldId id="277"/>
             <p14:sldId id="262"/>
             <p14:sldId id="263"/>
             <p14:sldId id="265"/>
@@ -298,7 +302,7 @@
           <a:p>
             <a:fld id="{9B5B52BA-3295-0343-9E28-A260A811DD10}" type="datetimeFigureOut">
               <a:rPr lang="en-US" smtClean="0"/>
-              <a:t>12-Feb-19</a:t>
+              <a:t>19-Feb-20</a:t>
             </a:fld>
             <a:endParaRPr lang="en-US"/>
           </a:p>
@@ -715,7 +719,7 @@
           <a:p>
             <a:fld id="{D6FB5A5B-CC88-B64A-8F56-0DBE0ACA83DE}" type="slidenum">
               <a:rPr lang="en-US" smtClean="0"/>
-              <a:t>20</a:t>
+              <a:t>22</a:t>
             </a:fld>
             <a:endParaRPr lang="en-US"/>
           </a:p>
@@ -865,7 +869,7 @@
           <a:p>
             <a:fld id="{04F1D4A2-813C-F741-B481-C92B3A596030}" type="datetimeFigureOut">
               <a:rPr lang="en-US" smtClean="0"/>
-              <a:t>12-Feb-19</a:t>
+              <a:t>19-Feb-20</a:t>
             </a:fld>
             <a:endParaRPr lang="en-US"/>
           </a:p>
@@ -1035,7 +1039,7 @@
           <a:p>
             <a:fld id="{04F1D4A2-813C-F741-B481-C92B3A596030}" type="datetimeFigureOut">
               <a:rPr lang="en-US" smtClean="0"/>
-              <a:t>12-Feb-19</a:t>
+              <a:t>19-Feb-20</a:t>
             </a:fld>
             <a:endParaRPr lang="en-US"/>
           </a:p>
@@ -1215,7 +1219,7 @@
           <a:p>
             <a:fld id="{04F1D4A2-813C-F741-B481-C92B3A596030}" type="datetimeFigureOut">
               <a:rPr lang="en-US" smtClean="0"/>
-              <a:t>12-Feb-19</a:t>
+              <a:t>19-Feb-20</a:t>
             </a:fld>
             <a:endParaRPr lang="en-US"/>
           </a:p>
@@ -1396,7 +1400,7 @@
           <a:p>
             <a:fld id="{04F1D4A2-813C-F741-B481-C92B3A596030}" type="datetimeFigureOut">
               <a:rPr lang="en-US" smtClean="0"/>
-              <a:t>12-Feb-19</a:t>
+              <a:t>19-Feb-20</a:t>
             </a:fld>
             <a:endParaRPr lang="en-US"/>
           </a:p>
@@ -1642,7 +1646,7 @@
           <a:p>
             <a:fld id="{04F1D4A2-813C-F741-B481-C92B3A596030}" type="datetimeFigureOut">
               <a:rPr lang="en-US" smtClean="0"/>
-              <a:t>12-Feb-19</a:t>
+              <a:t>19-Feb-20</a:t>
             </a:fld>
             <a:endParaRPr lang="en-US"/>
           </a:p>
@@ -1874,7 +1878,7 @@
           <a:p>
             <a:fld id="{04F1D4A2-813C-F741-B481-C92B3A596030}" type="datetimeFigureOut">
               <a:rPr lang="en-US" smtClean="0"/>
-              <a:t>12-Feb-19</a:t>
+              <a:t>19-Feb-20</a:t>
             </a:fld>
             <a:endParaRPr lang="en-US"/>
           </a:p>
@@ -2241,7 +2245,7 @@
           <a:p>
             <a:fld id="{04F1D4A2-813C-F741-B481-C92B3A596030}" type="datetimeFigureOut">
               <a:rPr lang="en-US" smtClean="0"/>
-              <a:t>12-Feb-19</a:t>
+              <a:t>19-Feb-20</a:t>
             </a:fld>
             <a:endParaRPr lang="en-US"/>
           </a:p>
@@ -2359,7 +2363,7 @@
           <a:p>
             <a:fld id="{04F1D4A2-813C-F741-B481-C92B3A596030}" type="datetimeFigureOut">
               <a:rPr lang="en-US" smtClean="0"/>
-              <a:t>12-Feb-19</a:t>
+              <a:t>19-Feb-20</a:t>
             </a:fld>
             <a:endParaRPr lang="en-US"/>
           </a:p>
@@ -2454,7 +2458,7 @@
           <a:p>
             <a:fld id="{04F1D4A2-813C-F741-B481-C92B3A596030}" type="datetimeFigureOut">
               <a:rPr lang="en-US" smtClean="0"/>
-              <a:t>12-Feb-19</a:t>
+              <a:t>19-Feb-20</a:t>
             </a:fld>
             <a:endParaRPr lang="en-US"/>
           </a:p>
@@ -2731,7 +2735,7 @@
           <a:p>
             <a:fld id="{04F1D4A2-813C-F741-B481-C92B3A596030}" type="datetimeFigureOut">
               <a:rPr lang="en-US" smtClean="0"/>
-              <a:t>12-Feb-19</a:t>
+              <a:t>19-Feb-20</a:t>
             </a:fld>
             <a:endParaRPr lang="en-US"/>
           </a:p>
@@ -2984,7 +2988,7 @@
           <a:p>
             <a:fld id="{04F1D4A2-813C-F741-B481-C92B3A596030}" type="datetimeFigureOut">
               <a:rPr lang="en-US" smtClean="0"/>
-              <a:t>12-Feb-19</a:t>
+              <a:t>19-Feb-20</a:t>
             </a:fld>
             <a:endParaRPr lang="en-US"/>
           </a:p>
@@ -3197,7 +3201,7 @@
           <a:p>
             <a:fld id="{04F1D4A2-813C-F741-B481-C92B3A596030}" type="datetimeFigureOut">
               <a:rPr lang="en-US" smtClean="0"/>
-              <a:t>12-Feb-19</a:t>
+              <a:t>19-Feb-20</a:t>
             </a:fld>
             <a:endParaRPr lang="en-US"/>
           </a:p>
@@ -3744,7 +3748,7 @@
           <a:p>
             <a:r>
               <a:rPr lang="en-US" dirty="0" smtClean="0"/>
-              <a:t>Run To Completion Problems</a:t>
+              <a:t>JS Event-Loop Thread</a:t>
             </a:r>
             <a:endParaRPr lang="en-US" dirty="0"/>
           </a:p>
@@ -3762,8 +3766,8 @@
         </p:nvSpPr>
         <p:spPr>
           <a:xfrm>
-            <a:off x="441960" y="1825624"/>
-            <a:ext cx="11628120" cy="4834256"/>
+            <a:off x="297180" y="1825624"/>
+            <a:ext cx="11696700" cy="4849495"/>
           </a:xfrm>
         </p:spPr>
         <p:txBody>
@@ -3771,40 +3775,116 @@
           <a:lstStyle/>
           <a:p>
             <a:r>
+              <a:rPr lang="en-US" dirty="0" smtClean="0"/>
+              <a:t>Following is a very </a:t>
+            </a:r>
+            <a:r>
+              <a:rPr lang="en-US" i="1" dirty="0" smtClean="0"/>
+              <a:t>high-level</a:t>
+            </a:r>
+            <a:r>
+              <a:rPr lang="en-US" dirty="0" smtClean="0"/>
+              <a:t>, </a:t>
+            </a:r>
+            <a:r>
+              <a:rPr lang="en-US" i="1" dirty="0" smtClean="0"/>
+              <a:t>simplified</a:t>
+            </a:r>
+            <a:r>
+              <a:rPr lang="en-US" dirty="0" smtClean="0"/>
+              <a:t> story of how the </a:t>
+            </a:r>
+            <a:r>
+              <a:rPr lang="en-US" i="1" dirty="0" smtClean="0"/>
+              <a:t>event-loop</a:t>
+            </a:r>
+            <a:r>
+              <a:rPr lang="en-US" dirty="0" smtClean="0"/>
+              <a:t> works in JS</a:t>
+            </a:r>
+          </a:p>
+          <a:p>
+            <a:pPr lvl="1"/>
+            <a:r>
+              <a:rPr lang="en-US" dirty="0" err="1" smtClean="0"/>
+              <a:t>eg</a:t>
+            </a:r>
+            <a:r>
+              <a:rPr lang="en-US" dirty="0" smtClean="0"/>
+              <a:t>, not going to discuss </a:t>
+            </a:r>
+            <a:r>
+              <a:rPr lang="en-US" dirty="0"/>
+              <a:t>things </a:t>
+            </a:r>
+            <a:r>
+              <a:rPr lang="en-US" dirty="0" smtClean="0"/>
+              <a:t>like </a:t>
+            </a:r>
+            <a:r>
+              <a:rPr lang="en-US" i="1" dirty="0"/>
+              <a:t>Service </a:t>
+            </a:r>
+            <a:r>
+              <a:rPr lang="en-US" i="1" dirty="0" smtClean="0"/>
+              <a:t>Workers </a:t>
+            </a:r>
+            <a:r>
+              <a:rPr lang="en-US" dirty="0" smtClean="0"/>
+              <a:t>or the </a:t>
+            </a:r>
+            <a:r>
+              <a:rPr lang="en-US" i="1" dirty="0" smtClean="0"/>
+              <a:t>Job Queue</a:t>
+            </a:r>
+          </a:p>
+          <a:p>
+            <a:r>
+              <a:rPr lang="en-US" dirty="0" smtClean="0"/>
+              <a:t>For what concerns you, your JS code is going to be executed on a </a:t>
+            </a:r>
+            <a:r>
               <a:rPr lang="en-US" b="1" dirty="0" smtClean="0"/>
-              <a:t>while(true){}</a:t>
-            </a:r>
-          </a:p>
-          <a:p>
-            <a:r>
-              <a:rPr lang="en-US" dirty="0" smtClean="0"/>
-              <a:t>Code above could completely freeze your app, as no other code could run, as that is an infinite loop and will never end</a:t>
+              <a:t>single thread</a:t>
+            </a:r>
+            <a:endParaRPr lang="en-US" i="1" dirty="0" smtClean="0"/>
+          </a:p>
+          <a:p>
+            <a:r>
+              <a:rPr lang="en-US" dirty="0" smtClean="0"/>
+              <a:t>Your functions will </a:t>
+            </a:r>
+            <a:r>
+              <a:rPr lang="en-US" b="1" dirty="0" smtClean="0"/>
+              <a:t>run to completion</a:t>
             </a:r>
           </a:p>
           <a:p>
             <a:pPr lvl="1"/>
             <a:r>
               <a:rPr lang="en-US" dirty="0" smtClean="0"/>
-              <a:t>note, you can end up in infinite loops due to bugs…</a:t>
-            </a:r>
-          </a:p>
-          <a:p>
-            <a:r>
-              <a:rPr lang="en-US" dirty="0" smtClean="0"/>
-              <a:t>Expensive CPU computations in JS can slow down the responsiveness of your app, making </a:t>
-            </a:r>
-            <a:r>
-              <a:rPr lang="en-US" dirty="0"/>
-              <a:t>it feeling sluggish </a:t>
-            </a:r>
-            <a:endParaRPr lang="en-US" dirty="0" smtClean="0"/>
+              <a:t>These are the functions executed when intercepting events like </a:t>
+            </a:r>
+            <a:r>
+              <a:rPr lang="en-US" i="1" dirty="0" err="1" smtClean="0"/>
+              <a:t>onClick</a:t>
+            </a:r>
+            <a:r>
+              <a:rPr lang="en-US" dirty="0" smtClean="0"/>
+              <a:t> and </a:t>
+            </a:r>
+            <a:r>
+              <a:rPr lang="en-US" i="1" dirty="0" err="1" smtClean="0"/>
+              <a:t>onMouseOver</a:t>
+            </a:r>
+            <a:endParaRPr lang="en-US" i="1" dirty="0" smtClean="0"/>
           </a:p>
         </p:txBody>
       </p:sp>
     </p:spTree>
     <p:extLst>
       <p:ext uri="{BB962C8B-B14F-4D97-AF65-F5344CB8AC3E}">
-        <p14:creationId xmlns:p14="http://schemas.microsoft.com/office/powerpoint/2010/main" val="3541362864"/>
+        <p14:creationId xmlns:p14="http://schemas.microsoft.com/office/powerpoint/2010/main" val="1474885969"/>
       </p:ext>
     </p:extLst>
   </p:cSld>
@@ -3848,7 +3928,7 @@
           <a:p>
             <a:r>
               <a:rPr lang="en-US" dirty="0" smtClean="0"/>
-              <a:t>AJAX and Run to Completion</a:t>
+              <a:t>Run To Completion</a:t>
             </a:r>
             <a:endParaRPr lang="en-US" dirty="0"/>
           </a:p>
@@ -3862,175 +3942,47 @@
           </p:cNvSpPr>
           <p:nvPr>
             <p:ph idx="1"/>
-          </p:nvPr>
-        </p:nvSpPr>
-        <p:spPr/>
-        <p:txBody>
-          <a:bodyPr/>
-          <a:lstStyle/>
-          <a:p>
-            <a:r>
-              <a:rPr lang="en-US" dirty="0" smtClean="0"/>
-              <a:t>AJAX: (1) execute a HTTP Request; (2) do something when you get the HTTP Response</a:t>
-            </a:r>
-          </a:p>
-          <a:p>
-            <a:r>
-              <a:rPr lang="en-US" dirty="0" smtClean="0"/>
-              <a:t>Might take many </a:t>
-            </a:r>
-            <a:r>
-              <a:rPr lang="en-US" dirty="0" err="1" smtClean="0"/>
-              <a:t>ms</a:t>
-            </a:r>
-            <a:r>
-              <a:rPr lang="en-US" dirty="0" smtClean="0"/>
-              <a:t> before getting back the response</a:t>
-            </a:r>
-          </a:p>
-          <a:p>
-            <a:r>
-              <a:rPr lang="en-US" b="1" dirty="0" smtClean="0"/>
-              <a:t>Cannot wait on event-loop thread for the response</a:t>
-            </a:r>
-            <a:r>
-              <a:rPr lang="en-US" dirty="0" smtClean="0"/>
-              <a:t>, otherwise the app would freeze in that period of time</a:t>
-            </a:r>
-          </a:p>
-          <a:p>
-            <a:pPr lvl="1"/>
-            <a:r>
-              <a:rPr lang="en-US" dirty="0" smtClean="0"/>
-              <a:t>i.e., no other code could be executed meanwhile</a:t>
-            </a:r>
-          </a:p>
-          <a:p>
-            <a:r>
-              <a:rPr lang="en-US" dirty="0"/>
-              <a:t>2 solutions: </a:t>
-            </a:r>
-            <a:r>
-              <a:rPr lang="en-US" b="1" dirty="0"/>
-              <a:t>Callbacks</a:t>
-            </a:r>
-            <a:r>
-              <a:rPr lang="en-US" dirty="0"/>
-              <a:t> and </a:t>
-            </a:r>
-            <a:r>
-              <a:rPr lang="en-US" b="1" dirty="0" err="1"/>
-              <a:t>async</a:t>
-            </a:r>
-            <a:r>
-              <a:rPr lang="en-US" b="1" dirty="0"/>
-              <a:t>/await</a:t>
-            </a:r>
-            <a:r>
-              <a:rPr lang="en-US" dirty="0"/>
-              <a:t> on </a:t>
-            </a:r>
-            <a:r>
-              <a:rPr lang="en-US" b="1" dirty="0"/>
-              <a:t>Promises</a:t>
-            </a:r>
-          </a:p>
-          <a:p>
-            <a:endParaRPr lang="en-US" dirty="0"/>
-          </a:p>
-        </p:txBody>
-      </p:sp>
-    </p:spTree>
-    <p:extLst>
-      <p:ext uri="{BB962C8B-B14F-4D97-AF65-F5344CB8AC3E}">
-        <p14:creationId xmlns:p14="http://schemas.microsoft.com/office/powerpoint/2010/main" val="448084937"/>
-      </p:ext>
-    </p:extLst>
-  </p:cSld>
-  <p:clrMapOvr>
-    <a:masterClrMapping/>
-  </p:clrMapOvr>
-</p:sld>
-</file>
-
-<file path=ppt/slides/slide12.xml><?xml version="1.0" encoding="utf-8"?>
-<p:sld xmlns:a="http://schemas.openxmlformats.org/drawingml/2006/main" xmlns:r="http://schemas.openxmlformats.org/officeDocument/2006/relationships" xmlns:p="http://schemas.openxmlformats.org/presentationml/2006/main">
-  <p:cSld>
-    <p:spTree>
-      <p:nvGrpSpPr>
-        <p:cNvPr id="1" name=""/>
-        <p:cNvGrpSpPr/>
-        <p:nvPr/>
-      </p:nvGrpSpPr>
-      <p:grpSpPr>
-        <a:xfrm>
-          <a:off x="0" y="0"/>
-          <a:ext cx="0" cy="0"/>
-          <a:chOff x="0" y="0"/>
-          <a:chExt cx="0" cy="0"/>
-        </a:xfrm>
-      </p:grpSpPr>
-      <p:sp>
-        <p:nvSpPr>
-          <p:cNvPr id="2" name="Title 1"/>
-          <p:cNvSpPr>
-            <a:spLocks noGrp="1"/>
-          </p:cNvSpPr>
-          <p:nvPr>
-            <p:ph type="title"/>
           </p:nvPr>
         </p:nvSpPr>
         <p:spPr>
           <a:xfrm>
-            <a:off x="838200" y="62306"/>
-            <a:ext cx="10515600" cy="1325563"/>
+            <a:off x="548640" y="1825625"/>
+            <a:ext cx="10805160" cy="2030095"/>
           </a:xfrm>
         </p:spPr>
         <p:txBody>
-          <a:bodyPr/>
-          <a:lstStyle/>
-          <a:p>
-            <a:r>
-              <a:rPr lang="en-US" dirty="0" smtClean="0"/>
-              <a:t>Callback</a:t>
-            </a:r>
-            <a:endParaRPr lang="en-US" dirty="0"/>
-          </a:p>
-        </p:txBody>
-      </p:sp>
-      <p:sp>
-        <p:nvSpPr>
-          <p:cNvPr id="3" name="Content Placeholder 2"/>
-          <p:cNvSpPr>
-            <a:spLocks noGrp="1"/>
-          </p:cNvSpPr>
-          <p:nvPr>
-            <p:ph idx="1"/>
-          </p:nvPr>
-        </p:nvSpPr>
-        <p:spPr>
-          <a:xfrm>
-            <a:off x="205740" y="1307359"/>
-            <a:ext cx="11788140" cy="1427231"/>
-          </a:xfrm>
-        </p:spPr>
-        <p:txBody>
           <a:bodyPr>
-            <a:normAutofit fontScale="85000" lnSpcReduction="10000"/>
+            <a:normAutofit fontScale="92500"/>
           </a:bodyPr>
           <a:lstStyle/>
           <a:p>
             <a:r>
               <a:rPr lang="en-US" dirty="0" smtClean="0"/>
-              <a:t>AJAX call in function </a:t>
+              <a:t>Assume a user clicks on 2 buttons (</a:t>
             </a:r>
             <a:r>
               <a:rPr lang="en-US" i="1" dirty="0" smtClean="0"/>
-              <a:t>x() </a:t>
-            </a:r>
-            <a:r>
-              <a:rPr lang="en-US" dirty="0" smtClean="0"/>
-              <a:t>will register a callback function </a:t>
+              <a:t>A</a:t>
+            </a:r>
+            <a:r>
+              <a:rPr lang="en-US" dirty="0" smtClean="0"/>
+              <a:t> and </a:t>
+            </a:r>
+            <a:r>
+              <a:rPr lang="en-US" i="1" dirty="0" smtClean="0"/>
+              <a:t>B</a:t>
+            </a:r>
+            <a:r>
+              <a:rPr lang="en-US" dirty="0" smtClean="0"/>
+              <a:t>), executing </a:t>
+            </a:r>
+            <a:r>
+              <a:rPr lang="en-US" i="1" dirty="0" smtClean="0"/>
+              <a:t>x()</a:t>
+            </a:r>
+            <a:r>
+              <a:rPr lang="en-US" dirty="0" smtClean="0"/>
+              <a:t> and then </a:t>
             </a:r>
             <a:r>
               <a:rPr lang="en-US" i="1" dirty="0" smtClean="0"/>
@@ -4038,17 +3990,37 @@
             </a:r>
             <a:r>
               <a:rPr lang="en-US" dirty="0" smtClean="0"/>
-              <a:t> which will be executed on the event-loop thread when getting results from server</a:t>
-            </a:r>
-          </a:p>
-          <a:p>
-            <a:r>
-              <a:rPr lang="en-US" dirty="0" smtClean="0"/>
-              <a:t>The HTTP call will be made by an I/O thread, which will schedule</a:t>
+              <a:t>, which are registered as </a:t>
+            </a:r>
+            <a:r>
+              <a:rPr lang="en-US" i="1" dirty="0" err="1" smtClean="0"/>
+              <a:t>onClick</a:t>
+            </a:r>
+            <a:r>
+              <a:rPr lang="en-US" dirty="0" smtClean="0"/>
+              <a:t> handlers </a:t>
+            </a:r>
+          </a:p>
+          <a:p>
+            <a:r>
+              <a:rPr lang="en-US" dirty="0" smtClean="0"/>
+              <a:t>As long as </a:t>
             </a:r>
             <a:r>
               <a:rPr lang="en-US" i="1" dirty="0" smtClean="0"/>
-              <a:t> y()</a:t>
+              <a:t>x()</a:t>
+            </a:r>
+            <a:r>
+              <a:rPr lang="en-US" dirty="0" smtClean="0"/>
+              <a:t> is running, </a:t>
+            </a:r>
+            <a:r>
+              <a:rPr lang="en-US" i="1" dirty="0" smtClean="0"/>
+              <a:t>y()</a:t>
+            </a:r>
+            <a:r>
+              <a:rPr lang="en-US" dirty="0" smtClean="0"/>
+              <a:t> cannot start, as there is only 1 thread executing your code for the event handlers</a:t>
             </a:r>
             <a:endParaRPr lang="en-US" dirty="0"/>
           </a:p>
@@ -4098,6 +4070,729 @@
         </p:nvSpPr>
         <p:spPr>
           <a:xfrm>
+            <a:off x="1447800" y="4251960"/>
+            <a:ext cx="4800600" cy="716280"/>
+          </a:xfrm>
+          <a:prstGeom prst="roundRect">
+            <a:avLst/>
+          </a:prstGeom>
+        </p:spPr>
+        <p:style>
+          <a:lnRef idx="2">
+            <a:schemeClr val="accent1">
+              <a:shade val="50000"/>
+            </a:schemeClr>
+          </a:lnRef>
+          <a:fillRef idx="1">
+            <a:schemeClr val="accent1"/>
+          </a:fillRef>
+          <a:effectRef idx="0">
+            <a:schemeClr val="accent1"/>
+          </a:effectRef>
+          <a:fontRef idx="minor">
+            <a:schemeClr val="lt1"/>
+          </a:fontRef>
+        </p:style>
+        <p:txBody>
+          <a:bodyPr rtlCol="0" anchor="ctr"/>
+          <a:lstStyle/>
+          <a:p>
+            <a:pPr algn="ctr"/>
+            <a:r>
+              <a:rPr lang="en-US" sz="3200" i="1" dirty="0" smtClean="0">
+                <a:solidFill>
+                  <a:schemeClr val="tx1"/>
+                </a:solidFill>
+              </a:rPr>
+              <a:t>x()</a:t>
+            </a:r>
+            <a:r>
+              <a:rPr lang="en-US" sz="3200" dirty="0" smtClean="0">
+                <a:solidFill>
+                  <a:schemeClr val="tx1"/>
+                </a:solidFill>
+              </a:rPr>
+              <a:t> is executing</a:t>
+            </a:r>
+            <a:endParaRPr lang="en-US" sz="3200" dirty="0">
+              <a:solidFill>
+                <a:schemeClr val="tx1"/>
+              </a:solidFill>
+            </a:endParaRPr>
+          </a:p>
+        </p:txBody>
+      </p:sp>
+      <p:sp>
+        <p:nvSpPr>
+          <p:cNvPr id="10" name="Rounded Rectangle 9"/>
+          <p:cNvSpPr/>
+          <p:nvPr/>
+        </p:nvSpPr>
+        <p:spPr>
+          <a:xfrm>
+            <a:off x="6332220" y="4251960"/>
+            <a:ext cx="2750820" cy="716280"/>
+          </a:xfrm>
+          <a:prstGeom prst="roundRect">
+            <a:avLst/>
+          </a:prstGeom>
+          <a:solidFill>
+            <a:schemeClr val="accent2"/>
+          </a:solidFill>
+        </p:spPr>
+        <p:style>
+          <a:lnRef idx="2">
+            <a:schemeClr val="accent1">
+              <a:shade val="50000"/>
+            </a:schemeClr>
+          </a:lnRef>
+          <a:fillRef idx="1">
+            <a:schemeClr val="accent1"/>
+          </a:fillRef>
+          <a:effectRef idx="0">
+            <a:schemeClr val="accent1"/>
+          </a:effectRef>
+          <a:fontRef idx="minor">
+            <a:schemeClr val="lt1"/>
+          </a:fontRef>
+        </p:style>
+        <p:txBody>
+          <a:bodyPr rtlCol="0" anchor="ctr"/>
+          <a:lstStyle/>
+          <a:p>
+            <a:pPr algn="ctr"/>
+            <a:r>
+              <a:rPr lang="en-US" sz="3200" i="1" dirty="0" smtClean="0">
+                <a:solidFill>
+                  <a:schemeClr val="tx1"/>
+                </a:solidFill>
+              </a:rPr>
+              <a:t>y()</a:t>
+            </a:r>
+            <a:r>
+              <a:rPr lang="en-US" sz="3200" dirty="0" smtClean="0">
+                <a:solidFill>
+                  <a:schemeClr val="tx1"/>
+                </a:solidFill>
+              </a:rPr>
+              <a:t> </a:t>
+            </a:r>
+            <a:r>
+              <a:rPr lang="en-US" sz="3200" dirty="0">
+                <a:solidFill>
+                  <a:schemeClr val="tx1"/>
+                </a:solidFill>
+              </a:rPr>
+              <a:t>is executing</a:t>
+            </a:r>
+          </a:p>
+        </p:txBody>
+      </p:sp>
+      <p:sp>
+        <p:nvSpPr>
+          <p:cNvPr id="11" name="Up Arrow 10"/>
+          <p:cNvSpPr/>
+          <p:nvPr/>
+        </p:nvSpPr>
+        <p:spPr>
+          <a:xfrm>
+            <a:off x="1274064" y="5181601"/>
+            <a:ext cx="484632" cy="708659"/>
+          </a:xfrm>
+          <a:prstGeom prst="upArrow">
+            <a:avLst/>
+          </a:prstGeom>
+          <a:solidFill>
+            <a:schemeClr val="tx1"/>
+          </a:solidFill>
+        </p:spPr>
+        <p:style>
+          <a:lnRef idx="2">
+            <a:schemeClr val="accent1">
+              <a:shade val="50000"/>
+            </a:schemeClr>
+          </a:lnRef>
+          <a:fillRef idx="1">
+            <a:schemeClr val="accent1"/>
+          </a:fillRef>
+          <a:effectRef idx="0">
+            <a:schemeClr val="accent1"/>
+          </a:effectRef>
+          <a:fontRef idx="minor">
+            <a:schemeClr val="lt1"/>
+          </a:fontRef>
+        </p:style>
+        <p:txBody>
+          <a:bodyPr rtlCol="0" anchor="ctr"/>
+          <a:lstStyle/>
+          <a:p>
+            <a:pPr algn="ctr"/>
+            <a:endParaRPr lang="en-US"/>
+          </a:p>
+        </p:txBody>
+      </p:sp>
+      <p:sp>
+        <p:nvSpPr>
+          <p:cNvPr id="12" name="Up Arrow 11"/>
+          <p:cNvSpPr/>
+          <p:nvPr/>
+        </p:nvSpPr>
+        <p:spPr>
+          <a:xfrm>
+            <a:off x="3491484" y="5181601"/>
+            <a:ext cx="484632" cy="708659"/>
+          </a:xfrm>
+          <a:prstGeom prst="upArrow">
+            <a:avLst/>
+          </a:prstGeom>
+          <a:solidFill>
+            <a:schemeClr val="tx1"/>
+          </a:solidFill>
+        </p:spPr>
+        <p:style>
+          <a:lnRef idx="2">
+            <a:schemeClr val="accent1">
+              <a:shade val="50000"/>
+            </a:schemeClr>
+          </a:lnRef>
+          <a:fillRef idx="1">
+            <a:schemeClr val="accent1"/>
+          </a:fillRef>
+          <a:effectRef idx="0">
+            <a:schemeClr val="accent1"/>
+          </a:effectRef>
+          <a:fontRef idx="minor">
+            <a:schemeClr val="lt1"/>
+          </a:fontRef>
+        </p:style>
+        <p:txBody>
+          <a:bodyPr rtlCol="0" anchor="ctr"/>
+          <a:lstStyle/>
+          <a:p>
+            <a:pPr algn="ctr"/>
+            <a:endParaRPr lang="en-US"/>
+          </a:p>
+        </p:txBody>
+      </p:sp>
+      <p:sp>
+        <p:nvSpPr>
+          <p:cNvPr id="14" name="TextBox 13"/>
+          <p:cNvSpPr txBox="1"/>
+          <p:nvPr/>
+        </p:nvSpPr>
+        <p:spPr>
+          <a:xfrm>
+            <a:off x="2937748" y="5952184"/>
+            <a:ext cx="1774845" cy="954107"/>
+          </a:xfrm>
+          <a:prstGeom prst="rect">
+            <a:avLst/>
+          </a:prstGeom>
+          <a:noFill/>
+        </p:spPr>
+        <p:txBody>
+          <a:bodyPr wrap="none" rtlCol="0">
+            <a:spAutoFit/>
+          </a:bodyPr>
+          <a:lstStyle/>
+          <a:p>
+            <a:r>
+              <a:rPr lang="en-US" sz="2800" dirty="0" smtClean="0"/>
+              <a:t>Click on </a:t>
+            </a:r>
+            <a:r>
+              <a:rPr lang="en-US" sz="2800" i="1" dirty="0" smtClean="0"/>
+              <a:t>B</a:t>
+            </a:r>
+          </a:p>
+          <a:p>
+            <a:r>
+              <a:rPr lang="en-US" sz="2800" i="1" dirty="0" err="1" smtClean="0"/>
+              <a:t>onClick</a:t>
+            </a:r>
+            <a:r>
+              <a:rPr lang="en-US" sz="2800" i="1" dirty="0" smtClean="0"/>
+              <a:t>=y()</a:t>
+            </a:r>
+            <a:endParaRPr lang="en-US" sz="2800" i="1" dirty="0"/>
+          </a:p>
+        </p:txBody>
+      </p:sp>
+      <p:sp>
+        <p:nvSpPr>
+          <p:cNvPr id="15" name="TextBox 14"/>
+          <p:cNvSpPr txBox="1"/>
+          <p:nvPr/>
+        </p:nvSpPr>
+        <p:spPr>
+          <a:xfrm>
+            <a:off x="10904220" y="5181601"/>
+            <a:ext cx="851515" cy="523220"/>
+          </a:xfrm>
+          <a:prstGeom prst="rect">
+            <a:avLst/>
+          </a:prstGeom>
+          <a:noFill/>
+        </p:spPr>
+        <p:txBody>
+          <a:bodyPr wrap="none" rtlCol="0">
+            <a:spAutoFit/>
+          </a:bodyPr>
+          <a:lstStyle/>
+          <a:p>
+            <a:r>
+              <a:rPr lang="en-US" sz="2800" dirty="0" smtClean="0"/>
+              <a:t>time</a:t>
+            </a:r>
+            <a:endParaRPr lang="en-US" sz="2800" dirty="0"/>
+          </a:p>
+        </p:txBody>
+      </p:sp>
+      <p:sp>
+        <p:nvSpPr>
+          <p:cNvPr id="16" name="TextBox 15"/>
+          <p:cNvSpPr txBox="1"/>
+          <p:nvPr/>
+        </p:nvSpPr>
+        <p:spPr>
+          <a:xfrm>
+            <a:off x="720328" y="5952185"/>
+            <a:ext cx="1770036" cy="954107"/>
+          </a:xfrm>
+          <a:prstGeom prst="rect">
+            <a:avLst/>
+          </a:prstGeom>
+          <a:noFill/>
+        </p:spPr>
+        <p:txBody>
+          <a:bodyPr wrap="none" rtlCol="0">
+            <a:spAutoFit/>
+          </a:bodyPr>
+          <a:lstStyle/>
+          <a:p>
+            <a:r>
+              <a:rPr lang="en-US" sz="2800" dirty="0" smtClean="0"/>
+              <a:t>Click on </a:t>
+            </a:r>
+            <a:r>
+              <a:rPr lang="en-US" sz="2800" i="1" dirty="0" smtClean="0"/>
+              <a:t>A</a:t>
+            </a:r>
+          </a:p>
+          <a:p>
+            <a:r>
+              <a:rPr lang="en-US" sz="2800" i="1" dirty="0" err="1" smtClean="0"/>
+              <a:t>onClick</a:t>
+            </a:r>
+            <a:r>
+              <a:rPr lang="en-US" sz="2800" i="1" dirty="0" smtClean="0"/>
+              <a:t>=x()</a:t>
+            </a:r>
+            <a:endParaRPr lang="en-US" sz="2800" i="1" dirty="0"/>
+          </a:p>
+        </p:txBody>
+      </p:sp>
+    </p:spTree>
+    <p:extLst>
+      <p:ext uri="{BB962C8B-B14F-4D97-AF65-F5344CB8AC3E}">
+        <p14:creationId xmlns:p14="http://schemas.microsoft.com/office/powerpoint/2010/main" val="3099539230"/>
+      </p:ext>
+    </p:extLst>
+  </p:cSld>
+  <p:clrMapOvr>
+    <a:masterClrMapping/>
+  </p:clrMapOvr>
+</p:sld>
+</file>
+
+<file path=ppt/slides/slide12.xml><?xml version="1.0" encoding="utf-8"?>
+<p:sld xmlns:a="http://schemas.openxmlformats.org/drawingml/2006/main" xmlns:r="http://schemas.openxmlformats.org/officeDocument/2006/relationships" xmlns:p="http://schemas.openxmlformats.org/presentationml/2006/main">
+  <p:cSld>
+    <p:spTree>
+      <p:nvGrpSpPr>
+        <p:cNvPr id="1" name=""/>
+        <p:cNvGrpSpPr/>
+        <p:nvPr/>
+      </p:nvGrpSpPr>
+      <p:grpSpPr>
+        <a:xfrm>
+          <a:off x="0" y="0"/>
+          <a:ext cx="0" cy="0"/>
+          <a:chOff x="0" y="0"/>
+          <a:chExt cx="0" cy="0"/>
+        </a:xfrm>
+      </p:grpSpPr>
+      <p:sp>
+        <p:nvSpPr>
+          <p:cNvPr id="2" name="Title 1"/>
+          <p:cNvSpPr>
+            <a:spLocks noGrp="1"/>
+          </p:cNvSpPr>
+          <p:nvPr>
+            <p:ph type="title"/>
+          </p:nvPr>
+        </p:nvSpPr>
+        <p:spPr/>
+        <p:txBody>
+          <a:bodyPr/>
+          <a:lstStyle/>
+          <a:p>
+            <a:r>
+              <a:rPr lang="en-US" dirty="0" smtClean="0"/>
+              <a:t>Run To Completion Problems</a:t>
+            </a:r>
+            <a:endParaRPr lang="en-US" dirty="0"/>
+          </a:p>
+        </p:txBody>
+      </p:sp>
+      <p:sp>
+        <p:nvSpPr>
+          <p:cNvPr id="3" name="Content Placeholder 2"/>
+          <p:cNvSpPr>
+            <a:spLocks noGrp="1"/>
+          </p:cNvSpPr>
+          <p:nvPr>
+            <p:ph idx="1"/>
+          </p:nvPr>
+        </p:nvSpPr>
+        <p:spPr>
+          <a:xfrm>
+            <a:off x="441960" y="1825624"/>
+            <a:ext cx="11628120" cy="4834256"/>
+          </a:xfrm>
+        </p:spPr>
+        <p:txBody>
+          <a:bodyPr/>
+          <a:lstStyle/>
+          <a:p>
+            <a:r>
+              <a:rPr lang="en-US" b="1" dirty="0" smtClean="0"/>
+              <a:t>while(true){}</a:t>
+            </a:r>
+          </a:p>
+          <a:p>
+            <a:r>
+              <a:rPr lang="en-US" dirty="0" smtClean="0"/>
+              <a:t>Code above could completely freeze your app, as no other code could run, as that is an infinite loop and will never end</a:t>
+            </a:r>
+          </a:p>
+          <a:p>
+            <a:pPr lvl="1"/>
+            <a:r>
+              <a:rPr lang="en-US" dirty="0" smtClean="0"/>
+              <a:t>note, you can end up in infinite loops due to bugs…</a:t>
+            </a:r>
+          </a:p>
+          <a:p>
+            <a:r>
+              <a:rPr lang="en-US" dirty="0" smtClean="0"/>
+              <a:t>Expensive CPU computations in JS can slow down the responsiveness of your app, making </a:t>
+            </a:r>
+            <a:r>
+              <a:rPr lang="en-US" dirty="0"/>
+              <a:t>it feeling sluggish </a:t>
+            </a:r>
+            <a:endParaRPr lang="en-US" dirty="0" smtClean="0"/>
+          </a:p>
+        </p:txBody>
+      </p:sp>
+    </p:spTree>
+    <p:extLst>
+      <p:ext uri="{BB962C8B-B14F-4D97-AF65-F5344CB8AC3E}">
+        <p14:creationId xmlns:p14="http://schemas.microsoft.com/office/powerpoint/2010/main" val="3541362864"/>
+      </p:ext>
+    </p:extLst>
+  </p:cSld>
+  <p:clrMapOvr>
+    <a:masterClrMapping/>
+  </p:clrMapOvr>
+</p:sld>
+</file>
+
+<file path=ppt/slides/slide13.xml><?xml version="1.0" encoding="utf-8"?>
+<p:sld xmlns:a="http://schemas.openxmlformats.org/drawingml/2006/main" xmlns:r="http://schemas.openxmlformats.org/officeDocument/2006/relationships" xmlns:p="http://schemas.openxmlformats.org/presentationml/2006/main">
+  <p:cSld>
+    <p:spTree>
+      <p:nvGrpSpPr>
+        <p:cNvPr id="1" name=""/>
+        <p:cNvGrpSpPr/>
+        <p:nvPr/>
+      </p:nvGrpSpPr>
+      <p:grpSpPr>
+        <a:xfrm>
+          <a:off x="0" y="0"/>
+          <a:ext cx="0" cy="0"/>
+          <a:chOff x="0" y="0"/>
+          <a:chExt cx="0" cy="0"/>
+        </a:xfrm>
+      </p:grpSpPr>
+      <p:sp>
+        <p:nvSpPr>
+          <p:cNvPr id="2" name="Title 1"/>
+          <p:cNvSpPr>
+            <a:spLocks noGrp="1"/>
+          </p:cNvSpPr>
+          <p:nvPr>
+            <p:ph type="title"/>
+          </p:nvPr>
+        </p:nvSpPr>
+        <p:spPr/>
+        <p:txBody>
+          <a:bodyPr/>
+          <a:lstStyle/>
+          <a:p>
+            <a:r>
+              <a:rPr lang="en-US" dirty="0" smtClean="0"/>
+              <a:t>AJAX and Run to Completion</a:t>
+            </a:r>
+            <a:endParaRPr lang="en-US" dirty="0"/>
+          </a:p>
+        </p:txBody>
+      </p:sp>
+      <p:sp>
+        <p:nvSpPr>
+          <p:cNvPr id="3" name="Content Placeholder 2"/>
+          <p:cNvSpPr>
+            <a:spLocks noGrp="1"/>
+          </p:cNvSpPr>
+          <p:nvPr>
+            <p:ph idx="1"/>
+          </p:nvPr>
+        </p:nvSpPr>
+        <p:spPr/>
+        <p:txBody>
+          <a:bodyPr/>
+          <a:lstStyle/>
+          <a:p>
+            <a:r>
+              <a:rPr lang="en-US" dirty="0" smtClean="0"/>
+              <a:t>AJAX: (1) execute a HTTP Request; (2) do something when you get the HTTP Response</a:t>
+            </a:r>
+          </a:p>
+          <a:p>
+            <a:r>
+              <a:rPr lang="en-US" dirty="0" smtClean="0"/>
+              <a:t>Might take many </a:t>
+            </a:r>
+            <a:r>
+              <a:rPr lang="en-US" dirty="0" err="1" smtClean="0"/>
+              <a:t>ms</a:t>
+            </a:r>
+            <a:r>
+              <a:rPr lang="en-US" dirty="0" smtClean="0"/>
+              <a:t> before getting back the response</a:t>
+            </a:r>
+          </a:p>
+          <a:p>
+            <a:r>
+              <a:rPr lang="en-US" b="1" dirty="0" smtClean="0"/>
+              <a:t>Cannot wait on event-loop thread for the response</a:t>
+            </a:r>
+            <a:r>
+              <a:rPr lang="en-US" dirty="0" smtClean="0"/>
+              <a:t>, otherwise the app would freeze in that period of time</a:t>
+            </a:r>
+          </a:p>
+          <a:p>
+            <a:pPr lvl="1"/>
+            <a:r>
+              <a:rPr lang="en-US" dirty="0" smtClean="0"/>
+              <a:t>i.e., no other code could be executed meanwhile</a:t>
+            </a:r>
+          </a:p>
+          <a:p>
+            <a:r>
+              <a:rPr lang="en-US" dirty="0"/>
+              <a:t>2 solutions: </a:t>
+            </a:r>
+            <a:r>
+              <a:rPr lang="en-US" b="1" dirty="0"/>
+              <a:t>Callbacks</a:t>
+            </a:r>
+            <a:r>
+              <a:rPr lang="en-US" dirty="0"/>
+              <a:t> and </a:t>
+            </a:r>
+            <a:r>
+              <a:rPr lang="en-US" b="1" dirty="0" err="1"/>
+              <a:t>async</a:t>
+            </a:r>
+            <a:r>
+              <a:rPr lang="en-US" b="1" dirty="0"/>
+              <a:t>/await</a:t>
+            </a:r>
+            <a:r>
+              <a:rPr lang="en-US" dirty="0"/>
+              <a:t> on </a:t>
+            </a:r>
+            <a:r>
+              <a:rPr lang="en-US" b="1" dirty="0"/>
+              <a:t>Promises</a:t>
+            </a:r>
+          </a:p>
+          <a:p>
+            <a:endParaRPr lang="en-US" dirty="0"/>
+          </a:p>
+        </p:txBody>
+      </p:sp>
+    </p:spTree>
+    <p:extLst>
+      <p:ext uri="{BB962C8B-B14F-4D97-AF65-F5344CB8AC3E}">
+        <p14:creationId xmlns:p14="http://schemas.microsoft.com/office/powerpoint/2010/main" val="448084937"/>
+      </p:ext>
+    </p:extLst>
+  </p:cSld>
+  <p:clrMapOvr>
+    <a:masterClrMapping/>
+  </p:clrMapOvr>
+</p:sld>
+</file>
+
+<file path=ppt/slides/slide14.xml><?xml version="1.0" encoding="utf-8"?>
+<p:sld xmlns:a="http://schemas.openxmlformats.org/drawingml/2006/main" xmlns:r="http://schemas.openxmlformats.org/officeDocument/2006/relationships" xmlns:p="http://schemas.openxmlformats.org/presentationml/2006/main">
+  <p:cSld>
+    <p:spTree>
+      <p:nvGrpSpPr>
+        <p:cNvPr id="1" name=""/>
+        <p:cNvGrpSpPr/>
+        <p:nvPr/>
+      </p:nvGrpSpPr>
+      <p:grpSpPr>
+        <a:xfrm>
+          <a:off x="0" y="0"/>
+          <a:ext cx="0" cy="0"/>
+          <a:chOff x="0" y="0"/>
+          <a:chExt cx="0" cy="0"/>
+        </a:xfrm>
+      </p:grpSpPr>
+      <p:sp>
+        <p:nvSpPr>
+          <p:cNvPr id="2" name="Title 1"/>
+          <p:cNvSpPr>
+            <a:spLocks noGrp="1"/>
+          </p:cNvSpPr>
+          <p:nvPr>
+            <p:ph type="title"/>
+          </p:nvPr>
+        </p:nvSpPr>
+        <p:spPr>
+          <a:xfrm>
+            <a:off x="838200" y="62306"/>
+            <a:ext cx="10515600" cy="1325563"/>
+          </a:xfrm>
+        </p:spPr>
+        <p:txBody>
+          <a:bodyPr/>
+          <a:lstStyle/>
+          <a:p>
+            <a:r>
+              <a:rPr lang="en-US" dirty="0" smtClean="0"/>
+              <a:t>Callback</a:t>
+            </a:r>
+            <a:endParaRPr lang="en-US" dirty="0"/>
+          </a:p>
+        </p:txBody>
+      </p:sp>
+      <p:sp>
+        <p:nvSpPr>
+          <p:cNvPr id="3" name="Content Placeholder 2"/>
+          <p:cNvSpPr>
+            <a:spLocks noGrp="1"/>
+          </p:cNvSpPr>
+          <p:nvPr>
+            <p:ph idx="1"/>
+          </p:nvPr>
+        </p:nvSpPr>
+        <p:spPr>
+          <a:xfrm>
+            <a:off x="205740" y="1307359"/>
+            <a:ext cx="11788140" cy="1427231"/>
+          </a:xfrm>
+        </p:spPr>
+        <p:txBody>
+          <a:bodyPr>
+            <a:normAutofit fontScale="85000" lnSpcReduction="10000"/>
+          </a:bodyPr>
+          <a:lstStyle/>
+          <a:p>
+            <a:r>
+              <a:rPr lang="en-US" dirty="0" smtClean="0"/>
+              <a:t>AJAX call in function </a:t>
+            </a:r>
+            <a:r>
+              <a:rPr lang="en-US" i="1" dirty="0" smtClean="0"/>
+              <a:t>x() </a:t>
+            </a:r>
+            <a:r>
+              <a:rPr lang="en-US" dirty="0" smtClean="0"/>
+              <a:t>will register a callback function </a:t>
+            </a:r>
+            <a:r>
+              <a:rPr lang="en-US" i="1" dirty="0" smtClean="0"/>
+              <a:t>y()</a:t>
+            </a:r>
+            <a:r>
+              <a:rPr lang="en-US" dirty="0" smtClean="0"/>
+              <a:t> which will be executed on the event-loop thread when getting results from server</a:t>
+            </a:r>
+          </a:p>
+          <a:p>
+            <a:r>
+              <a:rPr lang="en-US" dirty="0" smtClean="0"/>
+              <a:t>The HTTP call will be made by an I/O thread, which will schedule</a:t>
+            </a:r>
+            <a:r>
+              <a:rPr lang="en-US" i="1" dirty="0" smtClean="0"/>
+              <a:t> y()</a:t>
+            </a:r>
+            <a:endParaRPr lang="en-US" dirty="0"/>
+          </a:p>
+        </p:txBody>
+      </p:sp>
+      <p:cxnSp>
+        <p:nvCxnSpPr>
+          <p:cNvPr id="5" name="Straight Connector 4"/>
+          <p:cNvCxnSpPr/>
+          <p:nvPr/>
+        </p:nvCxnSpPr>
+        <p:spPr>
+          <a:xfrm>
+            <a:off x="426720" y="5074920"/>
+            <a:ext cx="11079480" cy="0"/>
+          </a:xfrm>
+          <a:prstGeom prst="line">
+            <a:avLst/>
+          </a:prstGeom>
+          <a:ln w="63500">
+            <a:solidFill>
+              <a:schemeClr val="tx1"/>
+            </a:solidFill>
+            <a:tailEnd type="triangle"/>
+          </a:ln>
+        </p:spPr>
+        <p:style>
+          <a:lnRef idx="1">
+            <a:schemeClr val="accent1"/>
+          </a:lnRef>
+          <a:fillRef idx="0">
+            <a:schemeClr val="accent1"/>
+          </a:fillRef>
+          <a:effectRef idx="0">
+            <a:schemeClr val="accent1"/>
+          </a:effectRef>
+          <a:fontRef idx="minor">
+            <a:schemeClr val="tx1"/>
+          </a:fontRef>
+        </p:style>
+      </p:cxnSp>
+      <p:sp>
+        <p:nvSpPr>
+          <p:cNvPr id="8" name="Rounded Rectangle 7"/>
+          <p:cNvSpPr/>
+          <p:nvPr/>
+        </p:nvSpPr>
+        <p:spPr>
+          <a:xfrm>
             <a:off x="1013460" y="3763327"/>
             <a:ext cx="3329940" cy="1066801"/>
           </a:xfrm>
@@ -4442,7 +5137,7 @@
 </p:sld>
 </file>
 
-<file path=ppt/slides/slide13.xml><?xml version="1.0" encoding="utf-8"?>
+<file path=ppt/slides/slide15.xml><?xml version="1.0" encoding="utf-8"?>
 <p:sld xmlns:a="http://schemas.openxmlformats.org/drawingml/2006/main" xmlns:r="http://schemas.openxmlformats.org/officeDocument/2006/relationships" xmlns:p="http://schemas.openxmlformats.org/presentationml/2006/main">
   <p:cSld>
     <p:spTree>
@@ -5436,268 +6131,6 @@
     <p:extLst>
       <p:ext uri="{BB962C8B-B14F-4D97-AF65-F5344CB8AC3E}">
         <p14:creationId xmlns:p14="http://schemas.microsoft.com/office/powerpoint/2010/main" val="486788306"/>
-      </p:ext>
-    </p:extLst>
-  </p:cSld>
-  <p:clrMapOvr>
-    <a:masterClrMapping/>
-  </p:clrMapOvr>
-</p:sld>
-</file>
-
-<file path=ppt/slides/slide14.xml><?xml version="1.0" encoding="utf-8"?>
-<p:sld xmlns:a="http://schemas.openxmlformats.org/drawingml/2006/main" xmlns:r="http://schemas.openxmlformats.org/officeDocument/2006/relationships" xmlns:p="http://schemas.openxmlformats.org/presentationml/2006/main">
-  <p:cSld>
-    <p:spTree>
-      <p:nvGrpSpPr>
-        <p:cNvPr id="1" name=""/>
-        <p:cNvGrpSpPr/>
-        <p:nvPr/>
-      </p:nvGrpSpPr>
-      <p:grpSpPr>
-        <a:xfrm>
-          <a:off x="0" y="0"/>
-          <a:ext cx="0" cy="0"/>
-          <a:chOff x="0" y="0"/>
-          <a:chExt cx="0" cy="0"/>
-        </a:xfrm>
-      </p:grpSpPr>
-      <p:sp>
-        <p:nvSpPr>
-          <p:cNvPr id="2" name="Title 1"/>
-          <p:cNvSpPr>
-            <a:spLocks noGrp="1"/>
-          </p:cNvSpPr>
-          <p:nvPr>
-            <p:ph type="title"/>
-          </p:nvPr>
-        </p:nvSpPr>
-        <p:spPr/>
-        <p:txBody>
-          <a:bodyPr/>
-          <a:lstStyle/>
-          <a:p>
-            <a:r>
-              <a:rPr lang="en-US" dirty="0" smtClean="0"/>
-              <a:t>Callback Issues</a:t>
-            </a:r>
-            <a:endParaRPr lang="en-US" dirty="0"/>
-          </a:p>
-        </p:txBody>
-      </p:sp>
-      <p:sp>
-        <p:nvSpPr>
-          <p:cNvPr id="3" name="Content Placeholder 2"/>
-          <p:cNvSpPr>
-            <a:spLocks noGrp="1"/>
-          </p:cNvSpPr>
-          <p:nvPr>
-            <p:ph idx="1"/>
-          </p:nvPr>
-        </p:nvSpPr>
-        <p:spPr>
-          <a:xfrm>
-            <a:off x="320040" y="1825624"/>
-            <a:ext cx="11711940" cy="4834256"/>
-          </a:xfrm>
-        </p:spPr>
-        <p:txBody>
-          <a:bodyPr/>
-          <a:lstStyle/>
-          <a:p>
-            <a:r>
-              <a:rPr lang="en-US" dirty="0" smtClean="0"/>
-              <a:t>Callbacks are fine when you make a single request</a:t>
-            </a:r>
-          </a:p>
-          <a:p>
-            <a:r>
-              <a:rPr lang="en-US" dirty="0" smtClean="0"/>
-              <a:t>When you have many asynchronous communications, each one depending on the others, it can get </a:t>
-            </a:r>
-            <a:r>
-              <a:rPr lang="en-US" i="1" dirty="0" smtClean="0"/>
-              <a:t>very difficult </a:t>
-            </a:r>
-            <a:r>
-              <a:rPr lang="en-US" dirty="0" smtClean="0"/>
-              <a:t>to see what is going on and the order in which functions are executed</a:t>
-            </a:r>
-          </a:p>
-          <a:p>
-            <a:r>
-              <a:rPr lang="en-US" dirty="0" smtClean="0"/>
-              <a:t>Often called </a:t>
-            </a:r>
-            <a:r>
-              <a:rPr lang="en-US" b="1" dirty="0" smtClean="0"/>
-              <a:t>Callback Hell</a:t>
-            </a:r>
-            <a:endParaRPr lang="en-US" b="1" dirty="0"/>
-          </a:p>
-        </p:txBody>
-      </p:sp>
-    </p:spTree>
-    <p:extLst>
-      <p:ext uri="{BB962C8B-B14F-4D97-AF65-F5344CB8AC3E}">
-        <p14:creationId xmlns:p14="http://schemas.microsoft.com/office/powerpoint/2010/main" val="835142184"/>
-      </p:ext>
-    </p:extLst>
-  </p:cSld>
-  <p:clrMapOvr>
-    <a:masterClrMapping/>
-  </p:clrMapOvr>
-</p:sld>
-</file>
-
-<file path=ppt/slides/slide15.xml><?xml version="1.0" encoding="utf-8"?>
-<p:sld xmlns:a="http://schemas.openxmlformats.org/drawingml/2006/main" xmlns:r="http://schemas.openxmlformats.org/officeDocument/2006/relationships" xmlns:p="http://schemas.openxmlformats.org/presentationml/2006/main">
-  <p:cSld>
-    <p:spTree>
-      <p:nvGrpSpPr>
-        <p:cNvPr id="1" name=""/>
-        <p:cNvGrpSpPr/>
-        <p:nvPr/>
-      </p:nvGrpSpPr>
-      <p:grpSpPr>
-        <a:xfrm>
-          <a:off x="0" y="0"/>
-          <a:ext cx="0" cy="0"/>
-          <a:chOff x="0" y="0"/>
-          <a:chExt cx="0" cy="0"/>
-        </a:xfrm>
-      </p:grpSpPr>
-      <p:sp>
-        <p:nvSpPr>
-          <p:cNvPr id="2" name="Title 1"/>
-          <p:cNvSpPr>
-            <a:spLocks noGrp="1"/>
-          </p:cNvSpPr>
-          <p:nvPr>
-            <p:ph type="title"/>
-          </p:nvPr>
-        </p:nvSpPr>
-        <p:spPr/>
-        <p:txBody>
-          <a:bodyPr/>
-          <a:lstStyle/>
-          <a:p>
-            <a:r>
-              <a:rPr lang="en-US" dirty="0" smtClean="0"/>
-              <a:t>Promise</a:t>
-            </a:r>
-            <a:endParaRPr lang="en-US" dirty="0"/>
-          </a:p>
-        </p:txBody>
-      </p:sp>
-      <p:sp>
-        <p:nvSpPr>
-          <p:cNvPr id="3" name="Content Placeholder 2"/>
-          <p:cNvSpPr>
-            <a:spLocks noGrp="1"/>
-          </p:cNvSpPr>
-          <p:nvPr>
-            <p:ph idx="1"/>
-          </p:nvPr>
-        </p:nvSpPr>
-        <p:spPr>
-          <a:xfrm>
-            <a:off x="167640" y="1825624"/>
-            <a:ext cx="11841480" cy="4803775"/>
-          </a:xfrm>
-        </p:spPr>
-        <p:txBody>
-          <a:bodyPr>
-            <a:normAutofit/>
-          </a:bodyPr>
-          <a:lstStyle/>
-          <a:p>
-            <a:r>
-              <a:rPr lang="en-US" dirty="0" smtClean="0"/>
-              <a:t>A </a:t>
-            </a:r>
-            <a:r>
-              <a:rPr lang="en-US" b="1" dirty="0" smtClean="0"/>
-              <a:t>Promise</a:t>
-            </a:r>
-            <a:r>
-              <a:rPr lang="en-US" dirty="0" smtClean="0"/>
-              <a:t> is a JavaScript object</a:t>
-            </a:r>
-          </a:p>
-          <a:p>
-            <a:r>
-              <a:rPr lang="en-US" dirty="0" smtClean="0"/>
-              <a:t>“</a:t>
-            </a:r>
-            <a:r>
-              <a:rPr lang="en-US" i="1" dirty="0" smtClean="0"/>
-              <a:t>The </a:t>
-            </a:r>
-            <a:r>
-              <a:rPr lang="en-US" i="1" dirty="0"/>
-              <a:t>Promise object represents the eventual completion (or failure) of an asynchronous operation, and its resulting </a:t>
-            </a:r>
-            <a:r>
-              <a:rPr lang="en-US" i="1" dirty="0" smtClean="0"/>
-              <a:t>value</a:t>
-            </a:r>
-            <a:r>
-              <a:rPr lang="en-US" dirty="0" smtClean="0"/>
-              <a:t>”</a:t>
-            </a:r>
-          </a:p>
-          <a:p>
-            <a:pPr lvl="1"/>
-            <a:r>
-              <a:rPr lang="en-US" sz="2000" dirty="0">
-                <a:hlinkClick r:id="rId2"/>
-              </a:rPr>
-              <a:t>https://</a:t>
-            </a:r>
-            <a:r>
-              <a:rPr lang="en-US" sz="2000" dirty="0" smtClean="0">
-                <a:hlinkClick r:id="rId2"/>
-              </a:rPr>
-              <a:t>developer.mozilla.org/en-US/docs/Web/JavaScript/Reference/Global_Objects/Promise</a:t>
-            </a:r>
-            <a:endParaRPr lang="en-US" sz="2000" dirty="0" smtClean="0"/>
-          </a:p>
-          <a:p>
-            <a:r>
-              <a:rPr lang="en-US" dirty="0" smtClean="0"/>
-              <a:t>A Promise will eventually return the value of the asynchronous computation, and we can </a:t>
-            </a:r>
-            <a:r>
-              <a:rPr lang="en-US" b="1" dirty="0" smtClean="0"/>
-              <a:t>await</a:t>
-            </a:r>
-            <a:r>
-              <a:rPr lang="en-US" dirty="0" smtClean="0"/>
-              <a:t> until such value is available</a:t>
-            </a:r>
-          </a:p>
-          <a:p>
-            <a:r>
-              <a:rPr lang="en-US" dirty="0" smtClean="0"/>
-              <a:t>The </a:t>
-            </a:r>
-            <a:r>
-              <a:rPr lang="en-US" b="1" dirty="0" smtClean="0"/>
-              <a:t>fetch() </a:t>
-            </a:r>
-            <a:r>
-              <a:rPr lang="en-US" dirty="0" smtClean="0"/>
-              <a:t>method making an AJAX request does return a Promise</a:t>
-            </a:r>
-            <a:endParaRPr lang="en-US" dirty="0"/>
-          </a:p>
-        </p:txBody>
-      </p:sp>
-    </p:spTree>
-    <p:extLst>
-      <p:ext uri="{BB962C8B-B14F-4D97-AF65-F5344CB8AC3E}">
-        <p14:creationId xmlns:p14="http://schemas.microsoft.com/office/powerpoint/2010/main" val="4010816219"/>
       </p:ext>
     </p:extLst>
   </p:cSld>
@@ -5726,6 +6159,268 @@
       </p:grpSpPr>
       <p:sp>
         <p:nvSpPr>
+          <p:cNvPr id="2" name="Title 1"/>
+          <p:cNvSpPr>
+            <a:spLocks noGrp="1"/>
+          </p:cNvSpPr>
+          <p:nvPr>
+            <p:ph type="title"/>
+          </p:nvPr>
+        </p:nvSpPr>
+        <p:spPr/>
+        <p:txBody>
+          <a:bodyPr/>
+          <a:lstStyle/>
+          <a:p>
+            <a:r>
+              <a:rPr lang="en-US" dirty="0" smtClean="0"/>
+              <a:t>Callback Issues</a:t>
+            </a:r>
+            <a:endParaRPr lang="en-US" dirty="0"/>
+          </a:p>
+        </p:txBody>
+      </p:sp>
+      <p:sp>
+        <p:nvSpPr>
+          <p:cNvPr id="3" name="Content Placeholder 2"/>
+          <p:cNvSpPr>
+            <a:spLocks noGrp="1"/>
+          </p:cNvSpPr>
+          <p:nvPr>
+            <p:ph idx="1"/>
+          </p:nvPr>
+        </p:nvSpPr>
+        <p:spPr>
+          <a:xfrm>
+            <a:off x="320040" y="1825624"/>
+            <a:ext cx="11711940" cy="4834256"/>
+          </a:xfrm>
+        </p:spPr>
+        <p:txBody>
+          <a:bodyPr/>
+          <a:lstStyle/>
+          <a:p>
+            <a:r>
+              <a:rPr lang="en-US" dirty="0" smtClean="0"/>
+              <a:t>Callbacks are fine when you make a single request</a:t>
+            </a:r>
+          </a:p>
+          <a:p>
+            <a:r>
+              <a:rPr lang="en-US" dirty="0" smtClean="0"/>
+              <a:t>When you have many asynchronous communications, each one depending on the others, it can get </a:t>
+            </a:r>
+            <a:r>
+              <a:rPr lang="en-US" i="1" dirty="0" smtClean="0"/>
+              <a:t>very difficult </a:t>
+            </a:r>
+            <a:r>
+              <a:rPr lang="en-US" dirty="0" smtClean="0"/>
+              <a:t>to see what is going on and the order in which functions are executed</a:t>
+            </a:r>
+          </a:p>
+          <a:p>
+            <a:r>
+              <a:rPr lang="en-US" dirty="0" smtClean="0"/>
+              <a:t>Often called </a:t>
+            </a:r>
+            <a:r>
+              <a:rPr lang="en-US" b="1" dirty="0" smtClean="0"/>
+              <a:t>Callback Hell</a:t>
+            </a:r>
+            <a:endParaRPr lang="en-US" b="1" dirty="0"/>
+          </a:p>
+        </p:txBody>
+      </p:sp>
+    </p:spTree>
+    <p:extLst>
+      <p:ext uri="{BB962C8B-B14F-4D97-AF65-F5344CB8AC3E}">
+        <p14:creationId xmlns:p14="http://schemas.microsoft.com/office/powerpoint/2010/main" val="835142184"/>
+      </p:ext>
+    </p:extLst>
+  </p:cSld>
+  <p:clrMapOvr>
+    <a:masterClrMapping/>
+  </p:clrMapOvr>
+</p:sld>
+</file>
+
+<file path=ppt/slides/slide17.xml><?xml version="1.0" encoding="utf-8"?>
+<p:sld xmlns:a="http://schemas.openxmlformats.org/drawingml/2006/main" xmlns:r="http://schemas.openxmlformats.org/officeDocument/2006/relationships" xmlns:p="http://schemas.openxmlformats.org/presentationml/2006/main">
+  <p:cSld>
+    <p:spTree>
+      <p:nvGrpSpPr>
+        <p:cNvPr id="1" name=""/>
+        <p:cNvGrpSpPr/>
+        <p:nvPr/>
+      </p:nvGrpSpPr>
+      <p:grpSpPr>
+        <a:xfrm>
+          <a:off x="0" y="0"/>
+          <a:ext cx="0" cy="0"/>
+          <a:chOff x="0" y="0"/>
+          <a:chExt cx="0" cy="0"/>
+        </a:xfrm>
+      </p:grpSpPr>
+      <p:sp>
+        <p:nvSpPr>
+          <p:cNvPr id="2" name="Title 1"/>
+          <p:cNvSpPr>
+            <a:spLocks noGrp="1"/>
+          </p:cNvSpPr>
+          <p:nvPr>
+            <p:ph type="title"/>
+          </p:nvPr>
+        </p:nvSpPr>
+        <p:spPr/>
+        <p:txBody>
+          <a:bodyPr/>
+          <a:lstStyle/>
+          <a:p>
+            <a:r>
+              <a:rPr lang="en-US" dirty="0" smtClean="0"/>
+              <a:t>Promise</a:t>
+            </a:r>
+            <a:endParaRPr lang="en-US" dirty="0"/>
+          </a:p>
+        </p:txBody>
+      </p:sp>
+      <p:sp>
+        <p:nvSpPr>
+          <p:cNvPr id="3" name="Content Placeholder 2"/>
+          <p:cNvSpPr>
+            <a:spLocks noGrp="1"/>
+          </p:cNvSpPr>
+          <p:nvPr>
+            <p:ph idx="1"/>
+          </p:nvPr>
+        </p:nvSpPr>
+        <p:spPr>
+          <a:xfrm>
+            <a:off x="167640" y="1825624"/>
+            <a:ext cx="11841480" cy="4803775"/>
+          </a:xfrm>
+        </p:spPr>
+        <p:txBody>
+          <a:bodyPr>
+            <a:normAutofit/>
+          </a:bodyPr>
+          <a:lstStyle/>
+          <a:p>
+            <a:r>
+              <a:rPr lang="en-US" dirty="0" smtClean="0"/>
+              <a:t>A </a:t>
+            </a:r>
+            <a:r>
+              <a:rPr lang="en-US" b="1" dirty="0" smtClean="0"/>
+              <a:t>Promise</a:t>
+            </a:r>
+            <a:r>
+              <a:rPr lang="en-US" dirty="0" smtClean="0"/>
+              <a:t> is a JavaScript object</a:t>
+            </a:r>
+          </a:p>
+          <a:p>
+            <a:r>
+              <a:rPr lang="en-US" dirty="0" smtClean="0"/>
+              <a:t>“</a:t>
+            </a:r>
+            <a:r>
+              <a:rPr lang="en-US" i="1" dirty="0" smtClean="0"/>
+              <a:t>The </a:t>
+            </a:r>
+            <a:r>
+              <a:rPr lang="en-US" i="1" dirty="0"/>
+              <a:t>Promise object represents the eventual completion (or failure) of an asynchronous operation, and its resulting </a:t>
+            </a:r>
+            <a:r>
+              <a:rPr lang="en-US" i="1" dirty="0" smtClean="0"/>
+              <a:t>value</a:t>
+            </a:r>
+            <a:r>
+              <a:rPr lang="en-US" dirty="0" smtClean="0"/>
+              <a:t>”</a:t>
+            </a:r>
+          </a:p>
+          <a:p>
+            <a:pPr lvl="1"/>
+            <a:r>
+              <a:rPr lang="en-US" sz="2000" dirty="0">
+                <a:hlinkClick r:id="rId2"/>
+              </a:rPr>
+              <a:t>https://</a:t>
+            </a:r>
+            <a:r>
+              <a:rPr lang="en-US" sz="2000" dirty="0" smtClean="0">
+                <a:hlinkClick r:id="rId2"/>
+              </a:rPr>
+              <a:t>developer.mozilla.org/en-US/docs/Web/JavaScript/Reference/Global_Objects/Promise</a:t>
+            </a:r>
+            <a:endParaRPr lang="en-US" sz="2000" dirty="0" smtClean="0"/>
+          </a:p>
+          <a:p>
+            <a:r>
+              <a:rPr lang="en-US" dirty="0" smtClean="0"/>
+              <a:t>A Promise will eventually return the value of the asynchronous computation, and we can </a:t>
+            </a:r>
+            <a:r>
+              <a:rPr lang="en-US" b="1" dirty="0" smtClean="0"/>
+              <a:t>await</a:t>
+            </a:r>
+            <a:r>
+              <a:rPr lang="en-US" dirty="0" smtClean="0"/>
+              <a:t> until such value is available</a:t>
+            </a:r>
+          </a:p>
+          <a:p>
+            <a:r>
+              <a:rPr lang="en-US" dirty="0" smtClean="0"/>
+              <a:t>The </a:t>
+            </a:r>
+            <a:r>
+              <a:rPr lang="en-US" b="1" dirty="0" smtClean="0"/>
+              <a:t>fetch() </a:t>
+            </a:r>
+            <a:r>
+              <a:rPr lang="en-US" dirty="0" smtClean="0"/>
+              <a:t>method making an AJAX request does return a Promise</a:t>
+            </a:r>
+            <a:endParaRPr lang="en-US" dirty="0"/>
+          </a:p>
+        </p:txBody>
+      </p:sp>
+    </p:spTree>
+    <p:extLst>
+      <p:ext uri="{BB962C8B-B14F-4D97-AF65-F5344CB8AC3E}">
+        <p14:creationId xmlns:p14="http://schemas.microsoft.com/office/powerpoint/2010/main" val="4010816219"/>
+      </p:ext>
+    </p:extLst>
+  </p:cSld>
+  <p:clrMapOvr>
+    <a:masterClrMapping/>
+  </p:clrMapOvr>
+</p:sld>
+</file>
+
+<file path=ppt/slides/slide18.xml><?xml version="1.0" encoding="utf-8"?>
+<p:sld xmlns:a="http://schemas.openxmlformats.org/drawingml/2006/main" xmlns:r="http://schemas.openxmlformats.org/officeDocument/2006/relationships" xmlns:p="http://schemas.openxmlformats.org/presentationml/2006/main">
+  <p:cSld>
+    <p:spTree>
+      <p:nvGrpSpPr>
+        <p:cNvPr id="1" name=""/>
+        <p:cNvGrpSpPr/>
+        <p:nvPr/>
+      </p:nvGrpSpPr>
+      <p:grpSpPr>
+        <a:xfrm>
+          <a:off x="0" y="0"/>
+          <a:ext cx="0" cy="0"/>
+          <a:chOff x="0" y="0"/>
+          <a:chExt cx="0" cy="0"/>
+        </a:xfrm>
+      </p:grpSpPr>
+      <p:sp>
+        <p:nvSpPr>
           <p:cNvPr id="3" name="Content Placeholder 2"/>
           <p:cNvSpPr>
             <a:spLocks noGrp="1"/>
@@ -6321,7 +7016,7 @@
 </p:sld>
 </file>
 
-<file path=ppt/slides/slide17.xml><?xml version="1.0" encoding="utf-8"?>
+<file path=ppt/slides/slide19.xml><?xml version="1.0" encoding="utf-8"?>
 <p:sld xmlns:a="http://schemas.openxmlformats.org/drawingml/2006/main" xmlns:r="http://schemas.openxmlformats.org/officeDocument/2006/relationships" xmlns:p="http://schemas.openxmlformats.org/presentationml/2006/main">
   <p:cSld>
     <p:spTree>
@@ -6878,305 +7573,6 @@
 </p:sld>
 </file>
 
-<file path=ppt/slides/slide18.xml><?xml version="1.0" encoding="utf-8"?>
-<p:sld xmlns:a="http://schemas.openxmlformats.org/drawingml/2006/main" xmlns:r="http://schemas.openxmlformats.org/officeDocument/2006/relationships" xmlns:p="http://schemas.openxmlformats.org/presentationml/2006/main">
-  <p:cSld>
-    <p:spTree>
-      <p:nvGrpSpPr>
-        <p:cNvPr id="1" name=""/>
-        <p:cNvGrpSpPr/>
-        <p:nvPr/>
-      </p:nvGrpSpPr>
-      <p:grpSpPr>
-        <a:xfrm>
-          <a:off x="0" y="0"/>
-          <a:ext cx="0" cy="0"/>
-          <a:chOff x="0" y="0"/>
-          <a:chExt cx="0" cy="0"/>
-        </a:xfrm>
-      </p:grpSpPr>
-      <p:sp>
-        <p:nvSpPr>
-          <p:cNvPr id="2" name="Title 1"/>
-          <p:cNvSpPr>
-            <a:spLocks noGrp="1"/>
-          </p:cNvSpPr>
-          <p:nvPr>
-            <p:ph type="title"/>
-          </p:nvPr>
-        </p:nvSpPr>
-        <p:spPr/>
-        <p:txBody>
-          <a:bodyPr/>
-          <a:lstStyle/>
-          <a:p>
-            <a:r>
-              <a:rPr lang="en-US" dirty="0" smtClean="0"/>
-              <a:t>Benefits of </a:t>
-            </a:r>
-            <a:r>
-              <a:rPr lang="en-US" b="1" dirty="0" err="1" smtClean="0"/>
-              <a:t>async</a:t>
-            </a:r>
-            <a:r>
-              <a:rPr lang="en-US" b="1" dirty="0" smtClean="0"/>
-              <a:t>/await </a:t>
-            </a:r>
-            <a:endParaRPr lang="en-US" b="1" dirty="0"/>
-          </a:p>
-        </p:txBody>
-      </p:sp>
-      <p:sp>
-        <p:nvSpPr>
-          <p:cNvPr id="3" name="Content Placeholder 2"/>
-          <p:cNvSpPr>
-            <a:spLocks noGrp="1"/>
-          </p:cNvSpPr>
-          <p:nvPr>
-            <p:ph idx="1"/>
-          </p:nvPr>
-        </p:nvSpPr>
-        <p:spPr>
-          <a:xfrm>
-            <a:off x="205740" y="1825624"/>
-            <a:ext cx="11666220" cy="4864735"/>
-          </a:xfrm>
-        </p:spPr>
-        <p:txBody>
-          <a:bodyPr/>
-          <a:lstStyle/>
-          <a:p>
-            <a:r>
-              <a:rPr lang="en-US" dirty="0" smtClean="0"/>
-              <a:t>It makes code much easier to read, as now the flow of execution looks </a:t>
-            </a:r>
-            <a:r>
-              <a:rPr lang="en-US" i="1" dirty="0" smtClean="0"/>
-              <a:t>sequential</a:t>
-            </a:r>
-          </a:p>
-          <a:p>
-            <a:pPr lvl="1"/>
-            <a:r>
-              <a:rPr lang="en-US" dirty="0" smtClean="0"/>
-              <a:t>this is particularly true when you have many asynchronous operations in the same function</a:t>
-            </a:r>
-          </a:p>
-          <a:p>
-            <a:r>
-              <a:rPr lang="en-US" dirty="0" smtClean="0"/>
-              <a:t>No major performance drawback: the event-loop thread is not waiting, and can execute other commands meanwhile we wait for I/O</a:t>
-            </a:r>
-          </a:p>
-          <a:p>
-            <a:r>
-              <a:rPr lang="en-US" dirty="0" smtClean="0"/>
-              <a:t>Recall that </a:t>
-            </a:r>
-            <a:r>
-              <a:rPr lang="en-US" i="1" dirty="0" smtClean="0"/>
-              <a:t>thread waiting </a:t>
-            </a:r>
-            <a:r>
-              <a:rPr lang="en-US" dirty="0" smtClean="0"/>
-              <a:t>and </a:t>
-            </a:r>
-            <a:r>
-              <a:rPr lang="en-US" i="1" dirty="0" smtClean="0"/>
-              <a:t>thread-context </a:t>
-            </a:r>
-            <a:r>
-              <a:rPr lang="en-US" i="1" dirty="0"/>
-              <a:t>switches</a:t>
-            </a:r>
-            <a:r>
-              <a:rPr lang="en-US" dirty="0"/>
-              <a:t> </a:t>
-            </a:r>
-            <a:r>
-              <a:rPr lang="en-US" dirty="0" smtClean="0"/>
-              <a:t> are </a:t>
-            </a:r>
-            <a:r>
-              <a:rPr lang="en-US" b="1" dirty="0" smtClean="0"/>
-              <a:t>expensive</a:t>
-            </a:r>
-            <a:r>
-              <a:rPr lang="en-US" dirty="0" smtClean="0"/>
-              <a:t>, because OS operations</a:t>
-            </a:r>
-            <a:endParaRPr lang="en-US" dirty="0"/>
-          </a:p>
-        </p:txBody>
-      </p:sp>
-    </p:spTree>
-    <p:extLst>
-      <p:ext uri="{BB962C8B-B14F-4D97-AF65-F5344CB8AC3E}">
-        <p14:creationId xmlns:p14="http://schemas.microsoft.com/office/powerpoint/2010/main" val="68440334"/>
-      </p:ext>
-    </p:extLst>
-  </p:cSld>
-  <p:clrMapOvr>
-    <a:masterClrMapping/>
-  </p:clrMapOvr>
-</p:sld>
-</file>
-
-<file path=ppt/slides/slide19.xml><?xml version="1.0" encoding="utf-8"?>
-<p:sld xmlns:a="http://schemas.openxmlformats.org/drawingml/2006/main" xmlns:r="http://schemas.openxmlformats.org/officeDocument/2006/relationships" xmlns:p="http://schemas.openxmlformats.org/presentationml/2006/main">
-  <p:cSld>
-    <p:spTree>
-      <p:nvGrpSpPr>
-        <p:cNvPr id="1" name=""/>
-        <p:cNvGrpSpPr/>
-        <p:nvPr/>
-      </p:nvGrpSpPr>
-      <p:grpSpPr>
-        <a:xfrm>
-          <a:off x="0" y="0"/>
-          <a:ext cx="0" cy="0"/>
-          <a:chOff x="0" y="0"/>
-          <a:chExt cx="0" cy="0"/>
-        </a:xfrm>
-      </p:grpSpPr>
-      <p:sp>
-        <p:nvSpPr>
-          <p:cNvPr id="2" name="Title 1"/>
-          <p:cNvSpPr>
-            <a:spLocks noGrp="1"/>
-          </p:cNvSpPr>
-          <p:nvPr>
-            <p:ph type="title"/>
-          </p:nvPr>
-        </p:nvSpPr>
-        <p:spPr/>
-        <p:txBody>
-          <a:bodyPr/>
-          <a:lstStyle/>
-          <a:p>
-            <a:r>
-              <a:rPr lang="en-US" dirty="0" smtClean="0"/>
-              <a:t>Non-Blocking I/O</a:t>
-            </a:r>
-            <a:endParaRPr lang="en-US" dirty="0"/>
-          </a:p>
-        </p:txBody>
-      </p:sp>
-      <p:sp>
-        <p:nvSpPr>
-          <p:cNvPr id="3" name="Content Placeholder 2"/>
-          <p:cNvSpPr>
-            <a:spLocks noGrp="1"/>
-          </p:cNvSpPr>
-          <p:nvPr>
-            <p:ph idx="1"/>
-          </p:nvPr>
-        </p:nvSpPr>
-        <p:spPr>
-          <a:xfrm>
-            <a:off x="396240" y="1825624"/>
-            <a:ext cx="11643360" cy="4773295"/>
-          </a:xfrm>
-        </p:spPr>
-        <p:txBody>
-          <a:bodyPr>
-            <a:normAutofit fontScale="92500" lnSpcReduction="10000"/>
-          </a:bodyPr>
-          <a:lstStyle/>
-          <a:p>
-            <a:r>
-              <a:rPr lang="en-US" dirty="0" smtClean="0"/>
-              <a:t>This model of a single event-loop thread running your code in blocks is often referred as </a:t>
-            </a:r>
-            <a:r>
-              <a:rPr lang="en-US" b="1" dirty="0" smtClean="0"/>
-              <a:t>Non-Blocking I/O</a:t>
-            </a:r>
-          </a:p>
-          <a:p>
-            <a:r>
-              <a:rPr lang="en-US" dirty="0" smtClean="0"/>
-              <a:t>Such model was popularized by </a:t>
-            </a:r>
-            <a:r>
-              <a:rPr lang="en-US" i="1" dirty="0" err="1" smtClean="0"/>
-              <a:t>NodeJS</a:t>
-            </a:r>
-            <a:endParaRPr lang="en-US" i="1" dirty="0" smtClean="0"/>
-          </a:p>
-          <a:p>
-            <a:pPr lvl="1"/>
-            <a:r>
-              <a:rPr lang="en-US" dirty="0" smtClean="0"/>
-              <a:t>however, most other languages can do the same, e.g., Java, </a:t>
-            </a:r>
-            <a:r>
-              <a:rPr lang="en-US" dirty="0" err="1" smtClean="0"/>
-              <a:t>Kotlin</a:t>
-            </a:r>
-            <a:r>
-              <a:rPr lang="en-US" dirty="0" smtClean="0"/>
-              <a:t> and C#</a:t>
-            </a:r>
-          </a:p>
-          <a:p>
-            <a:r>
-              <a:rPr lang="en-US" dirty="0" smtClean="0"/>
-              <a:t>Very good for CRUD web applications:</a:t>
-            </a:r>
-          </a:p>
-          <a:p>
-            <a:pPr lvl="1"/>
-            <a:r>
-              <a:rPr lang="en-US" dirty="0" smtClean="0"/>
-              <a:t>most operations are CPU cheap, where bottlenecks are in I/O on database</a:t>
-            </a:r>
-          </a:p>
-          <a:p>
-            <a:pPr lvl="1"/>
-            <a:r>
-              <a:rPr lang="en-US" dirty="0" smtClean="0"/>
-              <a:t>can serve many different users without thread-context switches</a:t>
-            </a:r>
-          </a:p>
-          <a:p>
-            <a:r>
-              <a:rPr lang="en-US" dirty="0" smtClean="0"/>
-              <a:t>However, it is bad for CPU-bound applications</a:t>
-            </a:r>
-          </a:p>
-          <a:p>
-            <a:pPr lvl="1"/>
-            <a:r>
-              <a:rPr lang="en-US" dirty="0" smtClean="0"/>
-              <a:t>as you only have a single execution thread…</a:t>
-            </a:r>
-          </a:p>
-          <a:p>
-            <a:pPr lvl="1"/>
-            <a:r>
-              <a:rPr lang="en-US" dirty="0" smtClean="0"/>
-              <a:t>you could though replicate your app in many running instances, behind a load-balanced gateway (but this is not something we will see in this course…)</a:t>
-            </a:r>
-          </a:p>
-          <a:p>
-            <a:endParaRPr lang="en-US" dirty="0"/>
-          </a:p>
-        </p:txBody>
-      </p:sp>
-    </p:spTree>
-    <p:extLst>
-      <p:ext uri="{BB962C8B-B14F-4D97-AF65-F5344CB8AC3E}">
-        <p14:creationId xmlns:p14="http://schemas.microsoft.com/office/powerpoint/2010/main" val="1100727732"/>
-      </p:ext>
-    </p:extLst>
-  </p:cSld>
-  <p:clrMapOvr>
-    <a:masterClrMapping/>
-  </p:clrMapOvr>
-</p:sld>
-</file>
-
 <file path=ppt/slides/slide2.xml><?xml version="1.0" encoding="utf-8"?>
 <p:sld xmlns:a="http://schemas.openxmlformats.org/drawingml/2006/main" xmlns:r="http://schemas.openxmlformats.org/officeDocument/2006/relationships" xmlns:p="http://schemas.openxmlformats.org/presentationml/2006/main">
   <p:cSld>
@@ -7312,6 +7708,305 @@
 </file>
 
 <file path=ppt/slides/slide20.xml><?xml version="1.0" encoding="utf-8"?>
+<p:sld xmlns:a="http://schemas.openxmlformats.org/drawingml/2006/main" xmlns:r="http://schemas.openxmlformats.org/officeDocument/2006/relationships" xmlns:p="http://schemas.openxmlformats.org/presentationml/2006/main">
+  <p:cSld>
+    <p:spTree>
+      <p:nvGrpSpPr>
+        <p:cNvPr id="1" name=""/>
+        <p:cNvGrpSpPr/>
+        <p:nvPr/>
+      </p:nvGrpSpPr>
+      <p:grpSpPr>
+        <a:xfrm>
+          <a:off x="0" y="0"/>
+          <a:ext cx="0" cy="0"/>
+          <a:chOff x="0" y="0"/>
+          <a:chExt cx="0" cy="0"/>
+        </a:xfrm>
+      </p:grpSpPr>
+      <p:sp>
+        <p:nvSpPr>
+          <p:cNvPr id="2" name="Title 1"/>
+          <p:cNvSpPr>
+            <a:spLocks noGrp="1"/>
+          </p:cNvSpPr>
+          <p:nvPr>
+            <p:ph type="title"/>
+          </p:nvPr>
+        </p:nvSpPr>
+        <p:spPr/>
+        <p:txBody>
+          <a:bodyPr/>
+          <a:lstStyle/>
+          <a:p>
+            <a:r>
+              <a:rPr lang="en-US" dirty="0" smtClean="0"/>
+              <a:t>Benefits of </a:t>
+            </a:r>
+            <a:r>
+              <a:rPr lang="en-US" b="1" dirty="0" err="1" smtClean="0"/>
+              <a:t>async</a:t>
+            </a:r>
+            <a:r>
+              <a:rPr lang="en-US" b="1" dirty="0" smtClean="0"/>
+              <a:t>/await </a:t>
+            </a:r>
+            <a:endParaRPr lang="en-US" b="1" dirty="0"/>
+          </a:p>
+        </p:txBody>
+      </p:sp>
+      <p:sp>
+        <p:nvSpPr>
+          <p:cNvPr id="3" name="Content Placeholder 2"/>
+          <p:cNvSpPr>
+            <a:spLocks noGrp="1"/>
+          </p:cNvSpPr>
+          <p:nvPr>
+            <p:ph idx="1"/>
+          </p:nvPr>
+        </p:nvSpPr>
+        <p:spPr>
+          <a:xfrm>
+            <a:off x="205740" y="1825624"/>
+            <a:ext cx="11666220" cy="4864735"/>
+          </a:xfrm>
+        </p:spPr>
+        <p:txBody>
+          <a:bodyPr/>
+          <a:lstStyle/>
+          <a:p>
+            <a:r>
+              <a:rPr lang="en-US" dirty="0" smtClean="0"/>
+              <a:t>It makes code much easier to read, as now the flow of execution looks </a:t>
+            </a:r>
+            <a:r>
+              <a:rPr lang="en-US" i="1" dirty="0" smtClean="0"/>
+              <a:t>sequential</a:t>
+            </a:r>
+          </a:p>
+          <a:p>
+            <a:pPr lvl="1"/>
+            <a:r>
+              <a:rPr lang="en-US" dirty="0" smtClean="0"/>
+              <a:t>this is particularly true when you have many asynchronous operations in the same function</a:t>
+            </a:r>
+          </a:p>
+          <a:p>
+            <a:r>
+              <a:rPr lang="en-US" dirty="0" smtClean="0"/>
+              <a:t>No major performance drawback: the event-loop thread is not waiting, and can execute other commands meanwhile we wait for I/O</a:t>
+            </a:r>
+          </a:p>
+          <a:p>
+            <a:r>
+              <a:rPr lang="en-US" dirty="0" smtClean="0"/>
+              <a:t>Recall that </a:t>
+            </a:r>
+            <a:r>
+              <a:rPr lang="en-US" i="1" dirty="0" smtClean="0"/>
+              <a:t>thread waiting </a:t>
+            </a:r>
+            <a:r>
+              <a:rPr lang="en-US" dirty="0" smtClean="0"/>
+              <a:t>and </a:t>
+            </a:r>
+            <a:r>
+              <a:rPr lang="en-US" i="1" dirty="0" smtClean="0"/>
+              <a:t>thread-context </a:t>
+            </a:r>
+            <a:r>
+              <a:rPr lang="en-US" i="1" dirty="0"/>
+              <a:t>switches</a:t>
+            </a:r>
+            <a:r>
+              <a:rPr lang="en-US" dirty="0"/>
+              <a:t> </a:t>
+            </a:r>
+            <a:r>
+              <a:rPr lang="en-US" dirty="0" smtClean="0"/>
+              <a:t> are </a:t>
+            </a:r>
+            <a:r>
+              <a:rPr lang="en-US" b="1" dirty="0" smtClean="0"/>
+              <a:t>expensive</a:t>
+            </a:r>
+            <a:r>
+              <a:rPr lang="en-US" dirty="0" smtClean="0"/>
+              <a:t>, because OS operations</a:t>
+            </a:r>
+            <a:endParaRPr lang="en-US" dirty="0"/>
+          </a:p>
+        </p:txBody>
+      </p:sp>
+    </p:spTree>
+    <p:extLst>
+      <p:ext uri="{BB962C8B-B14F-4D97-AF65-F5344CB8AC3E}">
+        <p14:creationId xmlns:p14="http://schemas.microsoft.com/office/powerpoint/2010/main" val="68440334"/>
+      </p:ext>
+    </p:extLst>
+  </p:cSld>
+  <p:clrMapOvr>
+    <a:masterClrMapping/>
+  </p:clrMapOvr>
+</p:sld>
+</file>
+
+<file path=ppt/slides/slide21.xml><?xml version="1.0" encoding="utf-8"?>
+<p:sld xmlns:a="http://schemas.openxmlformats.org/drawingml/2006/main" xmlns:r="http://schemas.openxmlformats.org/officeDocument/2006/relationships" xmlns:p="http://schemas.openxmlformats.org/presentationml/2006/main">
+  <p:cSld>
+    <p:spTree>
+      <p:nvGrpSpPr>
+        <p:cNvPr id="1" name=""/>
+        <p:cNvGrpSpPr/>
+        <p:nvPr/>
+      </p:nvGrpSpPr>
+      <p:grpSpPr>
+        <a:xfrm>
+          <a:off x="0" y="0"/>
+          <a:ext cx="0" cy="0"/>
+          <a:chOff x="0" y="0"/>
+          <a:chExt cx="0" cy="0"/>
+        </a:xfrm>
+      </p:grpSpPr>
+      <p:sp>
+        <p:nvSpPr>
+          <p:cNvPr id="2" name="Title 1"/>
+          <p:cNvSpPr>
+            <a:spLocks noGrp="1"/>
+          </p:cNvSpPr>
+          <p:nvPr>
+            <p:ph type="title"/>
+          </p:nvPr>
+        </p:nvSpPr>
+        <p:spPr/>
+        <p:txBody>
+          <a:bodyPr/>
+          <a:lstStyle/>
+          <a:p>
+            <a:r>
+              <a:rPr lang="en-US" dirty="0" smtClean="0"/>
+              <a:t>Non-Blocking I/O</a:t>
+            </a:r>
+            <a:endParaRPr lang="en-US" dirty="0"/>
+          </a:p>
+        </p:txBody>
+      </p:sp>
+      <p:sp>
+        <p:nvSpPr>
+          <p:cNvPr id="3" name="Content Placeholder 2"/>
+          <p:cNvSpPr>
+            <a:spLocks noGrp="1"/>
+          </p:cNvSpPr>
+          <p:nvPr>
+            <p:ph idx="1"/>
+          </p:nvPr>
+        </p:nvSpPr>
+        <p:spPr>
+          <a:xfrm>
+            <a:off x="396240" y="1825624"/>
+            <a:ext cx="11643360" cy="4773295"/>
+          </a:xfrm>
+        </p:spPr>
+        <p:txBody>
+          <a:bodyPr>
+            <a:normAutofit fontScale="92500" lnSpcReduction="10000"/>
+          </a:bodyPr>
+          <a:lstStyle/>
+          <a:p>
+            <a:r>
+              <a:rPr lang="en-US" dirty="0" smtClean="0"/>
+              <a:t>This model of a single event-loop thread running your code in blocks is often referred as </a:t>
+            </a:r>
+            <a:r>
+              <a:rPr lang="en-US" b="1" dirty="0" smtClean="0"/>
+              <a:t>Non-Blocking I/O</a:t>
+            </a:r>
+          </a:p>
+          <a:p>
+            <a:r>
+              <a:rPr lang="en-US" dirty="0" smtClean="0"/>
+              <a:t>Such model was popularized by </a:t>
+            </a:r>
+            <a:r>
+              <a:rPr lang="en-US" i="1" dirty="0" err="1" smtClean="0"/>
+              <a:t>NodeJS</a:t>
+            </a:r>
+            <a:endParaRPr lang="en-US" i="1" dirty="0" smtClean="0"/>
+          </a:p>
+          <a:p>
+            <a:pPr lvl="1"/>
+            <a:r>
+              <a:rPr lang="en-US" dirty="0" smtClean="0"/>
+              <a:t>however, most other languages can do the same, e.g., Java, </a:t>
+            </a:r>
+            <a:r>
+              <a:rPr lang="en-US" dirty="0" err="1" smtClean="0"/>
+              <a:t>Kotlin</a:t>
+            </a:r>
+            <a:r>
+              <a:rPr lang="en-US" dirty="0" smtClean="0"/>
+              <a:t> and C#</a:t>
+            </a:r>
+          </a:p>
+          <a:p>
+            <a:r>
+              <a:rPr lang="en-US" dirty="0" smtClean="0"/>
+              <a:t>Very good for CRUD web applications:</a:t>
+            </a:r>
+          </a:p>
+          <a:p>
+            <a:pPr lvl="1"/>
+            <a:r>
+              <a:rPr lang="en-US" dirty="0" smtClean="0"/>
+              <a:t>most operations are CPU cheap, where bottlenecks are in I/O on database</a:t>
+            </a:r>
+          </a:p>
+          <a:p>
+            <a:pPr lvl="1"/>
+            <a:r>
+              <a:rPr lang="en-US" dirty="0" smtClean="0"/>
+              <a:t>can serve many different users without thread-context switches</a:t>
+            </a:r>
+          </a:p>
+          <a:p>
+            <a:r>
+              <a:rPr lang="en-US" dirty="0" smtClean="0"/>
+              <a:t>However, it is bad for CPU-bound applications</a:t>
+            </a:r>
+          </a:p>
+          <a:p>
+            <a:pPr lvl="1"/>
+            <a:r>
+              <a:rPr lang="en-US" dirty="0" smtClean="0"/>
+              <a:t>as you only have a single execution thread…</a:t>
+            </a:r>
+          </a:p>
+          <a:p>
+            <a:pPr lvl="1"/>
+            <a:r>
+              <a:rPr lang="en-US" dirty="0" smtClean="0"/>
+              <a:t>you could though replicate your app in many running instances, behind a load-balanced gateway (but this is not something we will see in this course…)</a:t>
+            </a:r>
+          </a:p>
+          <a:p>
+            <a:endParaRPr lang="en-US" dirty="0"/>
+          </a:p>
+        </p:txBody>
+      </p:sp>
+    </p:spTree>
+    <p:extLst>
+      <p:ext uri="{BB962C8B-B14F-4D97-AF65-F5344CB8AC3E}">
+        <p14:creationId xmlns:p14="http://schemas.microsoft.com/office/powerpoint/2010/main" val="1100727732"/>
+      </p:ext>
+    </p:extLst>
+  </p:cSld>
+  <p:clrMapOvr>
+    <a:masterClrMapping/>
+  </p:clrMapOvr>
+</p:sld>
+</file>
+
+<file path=ppt/slides/slide22.xml><?xml version="1.0" encoding="utf-8"?>
 <p:sld xmlns:a="http://schemas.openxmlformats.org/drawingml/2006/main" xmlns:r="http://schemas.openxmlformats.org/officeDocument/2006/relationships" xmlns:p="http://schemas.openxmlformats.org/presentationml/2006/main">
   <p:cSld>
     <p:spTree>
@@ -8238,7 +8933,7 @@
           <a:p>
             <a:r>
               <a:rPr lang="en-US" dirty="0" smtClean="0"/>
-              <a:t>Issues with AJAX</a:t>
+              <a:t>Third-Party Service Rate Limits</a:t>
             </a:r>
             <a:endParaRPr lang="en-US" dirty="0"/>
           </a:p>
@@ -8256,8 +8951,8 @@
         </p:nvSpPr>
         <p:spPr>
           <a:xfrm>
-            <a:off x="327660" y="1825624"/>
-            <a:ext cx="11597640" cy="4879975"/>
+            <a:off x="241110" y="1825625"/>
+            <a:ext cx="11705230" cy="4911820"/>
           </a:xfrm>
         </p:spPr>
         <p:txBody>
@@ -8266,56 +8961,47 @@
           <a:p>
             <a:r>
               <a:rPr lang="en-US" dirty="0" smtClean="0"/>
-              <a:t>You make an HTTP call over TCP with AJAX</a:t>
-            </a:r>
-          </a:p>
-          <a:p>
-            <a:r>
-              <a:rPr lang="en-US" dirty="0" smtClean="0"/>
-              <a:t>Such call could take few milliseconds, or seconds, BEFORE you get a reply from the server</a:t>
-            </a:r>
-          </a:p>
-          <a:p>
-            <a:r>
-              <a:rPr lang="en-US" dirty="0" smtClean="0"/>
-              <a:t>Even if just 1 </a:t>
-            </a:r>
-            <a:r>
-              <a:rPr lang="en-US" dirty="0" err="1" smtClean="0"/>
-              <a:t>ms</a:t>
-            </a:r>
-            <a:r>
-              <a:rPr lang="en-US" dirty="0" smtClean="0"/>
-              <a:t>, might need to do many HTTP calls to render current page (</a:t>
-            </a:r>
-            <a:r>
-              <a:rPr lang="en-US" dirty="0" err="1" smtClean="0"/>
-              <a:t>eg</a:t>
-            </a:r>
-            <a:r>
-              <a:rPr lang="en-US" dirty="0" smtClean="0"/>
-              <a:t> fetch data from different servers)</a:t>
-            </a:r>
-          </a:p>
-          <a:p>
-            <a:r>
-              <a:rPr lang="en-US" dirty="0" smtClean="0"/>
-              <a:t>You do NOT want your app to </a:t>
+              <a:t>Commercial web services might provide some </a:t>
+            </a:r>
+            <a:r>
+              <a:rPr lang="en-US" i="1" dirty="0" smtClean="0"/>
+              <a:t>free</a:t>
+            </a:r>
+            <a:r>
+              <a:rPr lang="en-US" dirty="0" smtClean="0"/>
+              <a:t> options to test them out</a:t>
+            </a:r>
+          </a:p>
+          <a:p>
+            <a:r>
+              <a:rPr lang="en-US" dirty="0" smtClean="0"/>
+              <a:t>Usually need to create an account</a:t>
+            </a:r>
+          </a:p>
+          <a:p>
+            <a:r>
+              <a:rPr lang="en-US" dirty="0" smtClean="0"/>
+              <a:t>At each HTTP call, need to provide a </a:t>
             </a:r>
             <a:r>
               <a:rPr lang="en-US" b="1" dirty="0" smtClean="0"/>
-              <a:t>freeze</a:t>
-            </a:r>
-            <a:r>
-              <a:rPr lang="en-US" dirty="0" smtClean="0"/>
-              <a:t> and be unresponsive till server replies </a:t>
-            </a:r>
-          </a:p>
-          <a:p>
-            <a:r>
-              <a:rPr lang="en-US" dirty="0" smtClean="0"/>
-              <a:t>This is a problem due to how threading is handled in JS</a:t>
-            </a:r>
+              <a:t>key</a:t>
+            </a:r>
+            <a:r>
+              <a:rPr lang="en-US" dirty="0" smtClean="0"/>
+              <a:t> to verify it is indeed you that made the request</a:t>
+            </a:r>
+          </a:p>
+          <a:p>
+            <a:r>
+              <a:rPr lang="en-US" dirty="0" smtClean="0"/>
+              <a:t>If you make too many requests, can be blocked, and asked to buy a commercial license</a:t>
+            </a:r>
+          </a:p>
+          <a:p>
+            <a:pPr marL="0" indent="0">
+              <a:buNone/>
+            </a:pPr>
             <a:endParaRPr lang="en-US" dirty="0"/>
           </a:p>
         </p:txBody>
@@ -8323,7 +9009,7 @@
     </p:spTree>
     <p:extLst>
       <p:ext uri="{BB962C8B-B14F-4D97-AF65-F5344CB8AC3E}">
-        <p14:creationId xmlns:p14="http://schemas.microsoft.com/office/powerpoint/2010/main" val="1265250497"/>
+        <p14:creationId xmlns:p14="http://schemas.microsoft.com/office/powerpoint/2010/main" val="2704734146"/>
       </p:ext>
     </p:extLst>
   </p:cSld>
@@ -8350,160 +9036,34 @@
           <a:chExt cx="0" cy="0"/>
         </a:xfrm>
       </p:grpSpPr>
-      <p:sp>
-        <p:nvSpPr>
-          <p:cNvPr id="2" name="Title 1"/>
-          <p:cNvSpPr>
-            <a:spLocks noGrp="1"/>
-          </p:cNvSpPr>
-          <p:nvPr>
-            <p:ph type="title"/>
-          </p:nvPr>
-        </p:nvSpPr>
-        <p:spPr/>
-        <p:txBody>
-          <a:bodyPr/>
-          <a:lstStyle/>
-          <a:p>
-            <a:r>
-              <a:rPr lang="en-US" dirty="0" smtClean="0"/>
-              <a:t>JS Event-Loop Thread</a:t>
-            </a:r>
-            <a:endParaRPr lang="en-US" dirty="0"/>
-          </a:p>
-        </p:txBody>
-      </p:sp>
-      <p:sp>
-        <p:nvSpPr>
-          <p:cNvPr id="3" name="Content Placeholder 2"/>
-          <p:cNvSpPr>
-            <a:spLocks noGrp="1"/>
-          </p:cNvSpPr>
-          <p:nvPr>
-            <p:ph idx="1"/>
-          </p:nvPr>
-        </p:nvSpPr>
+      <p:pic>
+        <p:nvPicPr>
+          <p:cNvPr id="4" name="Picture 3"/>
+          <p:cNvPicPr>
+            <a:picLocks noChangeAspect="1"/>
+          </p:cNvPicPr>
+          <p:nvPr/>
+        </p:nvPicPr>
+        <p:blipFill>
+          <a:blip r:embed="rId2"/>
+          <a:stretch>
+            <a:fillRect/>
+          </a:stretch>
+        </p:blipFill>
         <p:spPr>
           <a:xfrm>
-            <a:off x="297180" y="1825624"/>
-            <a:ext cx="11696700" cy="4849495"/>
+            <a:off x="777138" y="468122"/>
+            <a:ext cx="10185029" cy="6339816"/>
           </a:xfrm>
+          <a:prstGeom prst="rect">
+            <a:avLst/>
+          </a:prstGeom>
         </p:spPr>
-        <p:txBody>
-          <a:bodyPr/>
-          <a:lstStyle/>
-          <a:p>
-            <a:r>
-              <a:rPr lang="en-US" dirty="0" smtClean="0"/>
-              <a:t>Following is a very </a:t>
-            </a:r>
-            <a:r>
-              <a:rPr lang="en-US" i="1" dirty="0" smtClean="0"/>
-              <a:t>high-level</a:t>
-            </a:r>
-            <a:r>
-              <a:rPr lang="en-US" dirty="0" smtClean="0"/>
-              <a:t>, </a:t>
-            </a:r>
-            <a:r>
-              <a:rPr lang="en-US" i="1" dirty="0" smtClean="0"/>
-              <a:t>simplified</a:t>
-            </a:r>
-            <a:r>
-              <a:rPr lang="en-US" dirty="0" smtClean="0"/>
-              <a:t> story of how the </a:t>
-            </a:r>
-            <a:r>
-              <a:rPr lang="en-US" i="1" dirty="0" smtClean="0"/>
-              <a:t>event-loop</a:t>
-            </a:r>
-            <a:r>
-              <a:rPr lang="en-US" dirty="0" smtClean="0"/>
-              <a:t> works in JS</a:t>
-            </a:r>
-          </a:p>
-          <a:p>
-            <a:pPr lvl="1"/>
-            <a:r>
-              <a:rPr lang="en-US" dirty="0" err="1" smtClean="0"/>
-              <a:t>eg</a:t>
-            </a:r>
-            <a:r>
-              <a:rPr lang="en-US" dirty="0" smtClean="0"/>
-              <a:t>, not going to discuss </a:t>
-            </a:r>
-            <a:r>
-              <a:rPr lang="en-US" dirty="0"/>
-              <a:t>things </a:t>
-            </a:r>
-            <a:r>
-              <a:rPr lang="en-US" dirty="0" smtClean="0"/>
-              <a:t>like </a:t>
-            </a:r>
-            <a:r>
-              <a:rPr lang="en-US" i="1" dirty="0"/>
-              <a:t>Service </a:t>
-            </a:r>
-            <a:r>
-              <a:rPr lang="en-US" i="1" dirty="0" smtClean="0"/>
-              <a:t>Workers </a:t>
-            </a:r>
-            <a:r>
-              <a:rPr lang="en-US" dirty="0" smtClean="0"/>
-              <a:t>or the </a:t>
-            </a:r>
-            <a:r>
-              <a:rPr lang="en-US" i="1" dirty="0" smtClean="0"/>
-              <a:t>Job Queue</a:t>
-            </a:r>
-          </a:p>
-          <a:p>
-            <a:r>
-              <a:rPr lang="en-US" dirty="0" smtClean="0"/>
-              <a:t>For what concerns you, your JS code is going to be executed on a </a:t>
-            </a:r>
-            <a:r>
-              <a:rPr lang="en-US" b="1" dirty="0" smtClean="0"/>
-              <a:t>single thread</a:t>
-            </a:r>
-            <a:endParaRPr lang="en-US" i="1" dirty="0" smtClean="0"/>
-          </a:p>
-          <a:p>
-            <a:r>
-              <a:rPr lang="en-US" dirty="0" smtClean="0"/>
-              <a:t>Your functions will </a:t>
-            </a:r>
-            <a:r>
-              <a:rPr lang="en-US" b="1" dirty="0" smtClean="0"/>
-              <a:t>run to completion</a:t>
-            </a:r>
-          </a:p>
-          <a:p>
-            <a:pPr lvl="1"/>
-            <a:r>
-              <a:rPr lang="en-US" dirty="0" smtClean="0"/>
-              <a:t>These are the functions executed when intercepting events like </a:t>
-            </a:r>
-            <a:r>
-              <a:rPr lang="en-US" i="1" dirty="0" err="1" smtClean="0"/>
-              <a:t>onClick</a:t>
-            </a:r>
-            <a:r>
-              <a:rPr lang="en-US" dirty="0" smtClean="0"/>
-              <a:t> and </a:t>
-            </a:r>
-            <a:r>
-              <a:rPr lang="en-US" i="1" dirty="0" err="1" smtClean="0"/>
-              <a:t>onMouseOver</a:t>
-            </a:r>
-            <a:endParaRPr lang="en-US" i="1" dirty="0" smtClean="0"/>
-          </a:p>
-        </p:txBody>
-      </p:sp>
+      </p:pic>
     </p:spTree>
     <p:extLst>
       <p:ext uri="{BB962C8B-B14F-4D97-AF65-F5344CB8AC3E}">
-        <p14:creationId xmlns:p14="http://schemas.microsoft.com/office/powerpoint/2010/main" val="1474885969"/>
+        <p14:creationId xmlns:p14="http://schemas.microsoft.com/office/powerpoint/2010/main" val="477968183"/>
       </p:ext>
     </p:extLst>
   </p:cSld>
@@ -8547,7 +9107,7 @@
           <a:p>
             <a:r>
               <a:rPr lang="en-US" dirty="0" smtClean="0"/>
-              <a:t>Run To Completion</a:t>
+              <a:t>Issues with AJAX</a:t>
             </a:r>
             <a:endParaRPr lang="en-US" dirty="0"/>
           </a:p>
@@ -8565,461 +9125,74 @@
         </p:nvSpPr>
         <p:spPr>
           <a:xfrm>
-            <a:off x="548640" y="1825625"/>
-            <a:ext cx="10805160" cy="2030095"/>
+            <a:off x="327660" y="1825624"/>
+            <a:ext cx="11597640" cy="4879975"/>
           </a:xfrm>
         </p:spPr>
         <p:txBody>
-          <a:bodyPr>
-            <a:normAutofit fontScale="92500"/>
-          </a:bodyPr>
-          <a:lstStyle/>
-          <a:p>
-            <a:r>
-              <a:rPr lang="en-US" dirty="0" smtClean="0"/>
-              <a:t>Assume a user clicks on 2 buttons (</a:t>
-            </a:r>
-            <a:r>
-              <a:rPr lang="en-US" i="1" dirty="0" smtClean="0"/>
-              <a:t>A</a:t>
-            </a:r>
-            <a:r>
-              <a:rPr lang="en-US" dirty="0" smtClean="0"/>
-              <a:t> and </a:t>
-            </a:r>
-            <a:r>
-              <a:rPr lang="en-US" i="1" dirty="0" smtClean="0"/>
-              <a:t>B</a:t>
-            </a:r>
-            <a:r>
-              <a:rPr lang="en-US" dirty="0" smtClean="0"/>
-              <a:t>), executing </a:t>
-            </a:r>
-            <a:r>
-              <a:rPr lang="en-US" i="1" dirty="0" smtClean="0"/>
-              <a:t>x()</a:t>
-            </a:r>
-            <a:r>
-              <a:rPr lang="en-US" dirty="0" smtClean="0"/>
-              <a:t> and then </a:t>
-            </a:r>
-            <a:r>
-              <a:rPr lang="en-US" i="1" dirty="0" smtClean="0"/>
-              <a:t>y()</a:t>
-            </a:r>
-            <a:r>
-              <a:rPr lang="en-US" dirty="0" smtClean="0"/>
-              <a:t>, which are registered as </a:t>
-            </a:r>
-            <a:r>
-              <a:rPr lang="en-US" i="1" dirty="0" err="1" smtClean="0"/>
-              <a:t>onClick</a:t>
-            </a:r>
-            <a:r>
-              <a:rPr lang="en-US" dirty="0" smtClean="0"/>
-              <a:t> handlers </a:t>
-            </a:r>
-          </a:p>
-          <a:p>
-            <a:r>
-              <a:rPr lang="en-US" dirty="0" smtClean="0"/>
-              <a:t>As long as </a:t>
-            </a:r>
-            <a:r>
-              <a:rPr lang="en-US" i="1" dirty="0" smtClean="0"/>
-              <a:t>x()</a:t>
-            </a:r>
-            <a:r>
-              <a:rPr lang="en-US" dirty="0" smtClean="0"/>
-              <a:t> is running, </a:t>
-            </a:r>
-            <a:r>
-              <a:rPr lang="en-US" i="1" dirty="0" smtClean="0"/>
-              <a:t>y()</a:t>
-            </a:r>
-            <a:r>
-              <a:rPr lang="en-US" dirty="0" smtClean="0"/>
-              <a:t> cannot start, as there is only 1 thread executing your code for the event handlers</a:t>
+          <a:bodyPr/>
+          <a:lstStyle/>
+          <a:p>
+            <a:r>
+              <a:rPr lang="en-US" dirty="0" smtClean="0"/>
+              <a:t>You make an HTTP call over TCP with AJAX</a:t>
+            </a:r>
+          </a:p>
+          <a:p>
+            <a:r>
+              <a:rPr lang="en-US" dirty="0" smtClean="0"/>
+              <a:t>Such call could take few milliseconds, or seconds, BEFORE you get a reply from the server</a:t>
+            </a:r>
+          </a:p>
+          <a:p>
+            <a:r>
+              <a:rPr lang="en-US" dirty="0" smtClean="0"/>
+              <a:t>Even if just 1 </a:t>
+            </a:r>
+            <a:r>
+              <a:rPr lang="en-US" dirty="0" err="1" smtClean="0"/>
+              <a:t>ms</a:t>
+            </a:r>
+            <a:r>
+              <a:rPr lang="en-US" dirty="0" smtClean="0"/>
+              <a:t>, might need to do many HTTP calls to render current page (</a:t>
+            </a:r>
+            <a:r>
+              <a:rPr lang="en-US" dirty="0" err="1" smtClean="0"/>
+              <a:t>eg</a:t>
+            </a:r>
+            <a:r>
+              <a:rPr lang="en-US" dirty="0" smtClean="0"/>
+              <a:t> fetch data from different servers)</a:t>
+            </a:r>
+          </a:p>
+          <a:p>
+            <a:r>
+              <a:rPr lang="en-US" dirty="0" smtClean="0"/>
+              <a:t>You do NOT want your app to </a:t>
+            </a:r>
+            <a:r>
+              <a:rPr lang="en-US" b="1" dirty="0" smtClean="0"/>
+              <a:t>freeze</a:t>
+            </a:r>
+            <a:r>
+              <a:rPr lang="en-US" dirty="0" smtClean="0"/>
+              <a:t> and be unresponsive till server replies </a:t>
+            </a:r>
+          </a:p>
+          <a:p>
+            <a:r>
+              <a:rPr lang="en-US" dirty="0" smtClean="0"/>
+              <a:t>This is a problem due to how threading is handled in JS</a:t>
             </a:r>
             <a:endParaRPr lang="en-US" dirty="0"/>
-          </a:p>
-        </p:txBody>
-      </p:sp>
-      <p:cxnSp>
-        <p:nvCxnSpPr>
-          <p:cNvPr id="5" name="Straight Connector 4"/>
-          <p:cNvCxnSpPr/>
-          <p:nvPr/>
-        </p:nvCxnSpPr>
-        <p:spPr>
-          <a:xfrm>
-            <a:off x="426720" y="5074920"/>
-            <a:ext cx="11079480" cy="0"/>
-          </a:xfrm>
-          <a:prstGeom prst="line">
-            <a:avLst/>
-          </a:prstGeom>
-          <a:ln w="63500">
-            <a:solidFill>
-              <a:schemeClr val="tx1"/>
-            </a:solidFill>
-            <a:tailEnd type="triangle"/>
-          </a:ln>
-        </p:spPr>
-        <p:style>
-          <a:lnRef idx="1">
-            <a:schemeClr val="accent1"/>
-          </a:lnRef>
-          <a:fillRef idx="0">
-            <a:schemeClr val="accent1"/>
-          </a:fillRef>
-          <a:effectRef idx="0">
-            <a:schemeClr val="accent1"/>
-          </a:effectRef>
-          <a:fontRef idx="minor">
-            <a:schemeClr val="tx1"/>
-          </a:fontRef>
-        </p:style>
-      </p:cxnSp>
-      <p:sp>
-        <p:nvSpPr>
-          <p:cNvPr id="8" name="Rounded Rectangle 7"/>
-          <p:cNvSpPr/>
-          <p:nvPr/>
-        </p:nvSpPr>
-        <p:spPr>
-          <a:xfrm>
-            <a:off x="1447800" y="4251960"/>
-            <a:ext cx="4800600" cy="716280"/>
-          </a:xfrm>
-          <a:prstGeom prst="roundRect">
-            <a:avLst/>
-          </a:prstGeom>
-        </p:spPr>
-        <p:style>
-          <a:lnRef idx="2">
-            <a:schemeClr val="accent1">
-              <a:shade val="50000"/>
-            </a:schemeClr>
-          </a:lnRef>
-          <a:fillRef idx="1">
-            <a:schemeClr val="accent1"/>
-          </a:fillRef>
-          <a:effectRef idx="0">
-            <a:schemeClr val="accent1"/>
-          </a:effectRef>
-          <a:fontRef idx="minor">
-            <a:schemeClr val="lt1"/>
-          </a:fontRef>
-        </p:style>
-        <p:txBody>
-          <a:bodyPr rtlCol="0" anchor="ctr"/>
-          <a:lstStyle/>
-          <a:p>
-            <a:pPr algn="ctr"/>
-            <a:r>
-              <a:rPr lang="en-US" sz="3200" i="1" dirty="0" smtClean="0">
-                <a:solidFill>
-                  <a:schemeClr val="tx1"/>
-                </a:solidFill>
-              </a:rPr>
-              <a:t>x()</a:t>
-            </a:r>
-            <a:r>
-              <a:rPr lang="en-US" sz="3200" dirty="0" smtClean="0">
-                <a:solidFill>
-                  <a:schemeClr val="tx1"/>
-                </a:solidFill>
-              </a:rPr>
-              <a:t> is executing</a:t>
-            </a:r>
-            <a:endParaRPr lang="en-US" sz="3200" dirty="0">
-              <a:solidFill>
-                <a:schemeClr val="tx1"/>
-              </a:solidFill>
-            </a:endParaRPr>
-          </a:p>
-        </p:txBody>
-      </p:sp>
-      <p:sp>
-        <p:nvSpPr>
-          <p:cNvPr id="10" name="Rounded Rectangle 9"/>
-          <p:cNvSpPr/>
-          <p:nvPr/>
-        </p:nvSpPr>
-        <p:spPr>
-          <a:xfrm>
-            <a:off x="6332220" y="4251960"/>
-            <a:ext cx="2750820" cy="716280"/>
-          </a:xfrm>
-          <a:prstGeom prst="roundRect">
-            <a:avLst/>
-          </a:prstGeom>
-          <a:solidFill>
-            <a:schemeClr val="accent2"/>
-          </a:solidFill>
-        </p:spPr>
-        <p:style>
-          <a:lnRef idx="2">
-            <a:schemeClr val="accent1">
-              <a:shade val="50000"/>
-            </a:schemeClr>
-          </a:lnRef>
-          <a:fillRef idx="1">
-            <a:schemeClr val="accent1"/>
-          </a:fillRef>
-          <a:effectRef idx="0">
-            <a:schemeClr val="accent1"/>
-          </a:effectRef>
-          <a:fontRef idx="minor">
-            <a:schemeClr val="lt1"/>
-          </a:fontRef>
-        </p:style>
-        <p:txBody>
-          <a:bodyPr rtlCol="0" anchor="ctr"/>
-          <a:lstStyle/>
-          <a:p>
-            <a:pPr algn="ctr"/>
-            <a:r>
-              <a:rPr lang="en-US" sz="3200" i="1" dirty="0" smtClean="0">
-                <a:solidFill>
-                  <a:schemeClr val="tx1"/>
-                </a:solidFill>
-              </a:rPr>
-              <a:t>y()</a:t>
-            </a:r>
-            <a:r>
-              <a:rPr lang="en-US" sz="3200" dirty="0" smtClean="0">
-                <a:solidFill>
-                  <a:schemeClr val="tx1"/>
-                </a:solidFill>
-              </a:rPr>
-              <a:t> </a:t>
-            </a:r>
-            <a:r>
-              <a:rPr lang="en-US" sz="3200" dirty="0">
-                <a:solidFill>
-                  <a:schemeClr val="tx1"/>
-                </a:solidFill>
-              </a:rPr>
-              <a:t>is executing</a:t>
-            </a:r>
-            <a:endParaRPr lang="en-US" sz="3200" dirty="0">
-              <a:solidFill>
-                <a:schemeClr val="tx1"/>
-              </a:solidFill>
-            </a:endParaRPr>
-          </a:p>
-        </p:txBody>
-      </p:sp>
-      <p:sp>
-        <p:nvSpPr>
-          <p:cNvPr id="11" name="Up Arrow 10"/>
-          <p:cNvSpPr/>
-          <p:nvPr/>
-        </p:nvSpPr>
-        <p:spPr>
-          <a:xfrm>
-            <a:off x="1274064" y="5181601"/>
-            <a:ext cx="484632" cy="708659"/>
-          </a:xfrm>
-          <a:prstGeom prst="upArrow">
-            <a:avLst/>
-          </a:prstGeom>
-          <a:solidFill>
-            <a:schemeClr val="tx1"/>
-          </a:solidFill>
-        </p:spPr>
-        <p:style>
-          <a:lnRef idx="2">
-            <a:schemeClr val="accent1">
-              <a:shade val="50000"/>
-            </a:schemeClr>
-          </a:lnRef>
-          <a:fillRef idx="1">
-            <a:schemeClr val="accent1"/>
-          </a:fillRef>
-          <a:effectRef idx="0">
-            <a:schemeClr val="accent1"/>
-          </a:effectRef>
-          <a:fontRef idx="minor">
-            <a:schemeClr val="lt1"/>
-          </a:fontRef>
-        </p:style>
-        <p:txBody>
-          <a:bodyPr rtlCol="0" anchor="ctr"/>
-          <a:lstStyle/>
-          <a:p>
-            <a:pPr algn="ctr"/>
-            <a:endParaRPr lang="en-US"/>
-          </a:p>
-        </p:txBody>
-      </p:sp>
-      <p:sp>
-        <p:nvSpPr>
-          <p:cNvPr id="12" name="Up Arrow 11"/>
-          <p:cNvSpPr/>
-          <p:nvPr/>
-        </p:nvSpPr>
-        <p:spPr>
-          <a:xfrm>
-            <a:off x="3491484" y="5181601"/>
-            <a:ext cx="484632" cy="708659"/>
-          </a:xfrm>
-          <a:prstGeom prst="upArrow">
-            <a:avLst/>
-          </a:prstGeom>
-          <a:solidFill>
-            <a:schemeClr val="tx1"/>
-          </a:solidFill>
-        </p:spPr>
-        <p:style>
-          <a:lnRef idx="2">
-            <a:schemeClr val="accent1">
-              <a:shade val="50000"/>
-            </a:schemeClr>
-          </a:lnRef>
-          <a:fillRef idx="1">
-            <a:schemeClr val="accent1"/>
-          </a:fillRef>
-          <a:effectRef idx="0">
-            <a:schemeClr val="accent1"/>
-          </a:effectRef>
-          <a:fontRef idx="minor">
-            <a:schemeClr val="lt1"/>
-          </a:fontRef>
-        </p:style>
-        <p:txBody>
-          <a:bodyPr rtlCol="0" anchor="ctr"/>
-          <a:lstStyle/>
-          <a:p>
-            <a:pPr algn="ctr"/>
-            <a:endParaRPr lang="en-US"/>
-          </a:p>
-        </p:txBody>
-      </p:sp>
-      <p:sp>
-        <p:nvSpPr>
-          <p:cNvPr id="14" name="TextBox 13"/>
-          <p:cNvSpPr txBox="1"/>
-          <p:nvPr/>
-        </p:nvSpPr>
-        <p:spPr>
-          <a:xfrm>
-            <a:off x="2937748" y="5952184"/>
-            <a:ext cx="1774845" cy="954107"/>
-          </a:xfrm>
-          <a:prstGeom prst="rect">
-            <a:avLst/>
-          </a:prstGeom>
-          <a:noFill/>
-        </p:spPr>
-        <p:txBody>
-          <a:bodyPr wrap="none" rtlCol="0">
-            <a:spAutoFit/>
-          </a:bodyPr>
-          <a:lstStyle/>
-          <a:p>
-            <a:r>
-              <a:rPr lang="en-US" sz="2800" dirty="0" smtClean="0"/>
-              <a:t>Click on </a:t>
-            </a:r>
-            <a:r>
-              <a:rPr lang="en-US" sz="2800" i="1" dirty="0" smtClean="0"/>
-              <a:t>B</a:t>
-            </a:r>
-          </a:p>
-          <a:p>
-            <a:r>
-              <a:rPr lang="en-US" sz="2800" i="1" dirty="0" err="1" smtClean="0"/>
-              <a:t>onClick</a:t>
-            </a:r>
-            <a:r>
-              <a:rPr lang="en-US" sz="2800" i="1" dirty="0" smtClean="0"/>
-              <a:t>=y()</a:t>
-            </a:r>
-            <a:endParaRPr lang="en-US" sz="2800" i="1" dirty="0"/>
-          </a:p>
-        </p:txBody>
-      </p:sp>
-      <p:sp>
-        <p:nvSpPr>
-          <p:cNvPr id="15" name="TextBox 14"/>
-          <p:cNvSpPr txBox="1"/>
-          <p:nvPr/>
-        </p:nvSpPr>
-        <p:spPr>
-          <a:xfrm>
-            <a:off x="10904220" y="5181601"/>
-            <a:ext cx="851515" cy="523220"/>
-          </a:xfrm>
-          <a:prstGeom prst="rect">
-            <a:avLst/>
-          </a:prstGeom>
-          <a:noFill/>
-        </p:spPr>
-        <p:txBody>
-          <a:bodyPr wrap="none" rtlCol="0">
-            <a:spAutoFit/>
-          </a:bodyPr>
-          <a:lstStyle/>
-          <a:p>
-            <a:r>
-              <a:rPr lang="en-US" sz="2800" dirty="0" smtClean="0"/>
-              <a:t>time</a:t>
-            </a:r>
-            <a:endParaRPr lang="en-US" sz="2800" dirty="0"/>
-          </a:p>
-        </p:txBody>
-      </p:sp>
-      <p:sp>
-        <p:nvSpPr>
-          <p:cNvPr id="16" name="TextBox 15"/>
-          <p:cNvSpPr txBox="1"/>
-          <p:nvPr/>
-        </p:nvSpPr>
-        <p:spPr>
-          <a:xfrm>
-            <a:off x="720328" y="5952185"/>
-            <a:ext cx="1770036" cy="954107"/>
-          </a:xfrm>
-          <a:prstGeom prst="rect">
-            <a:avLst/>
-          </a:prstGeom>
-          <a:noFill/>
-        </p:spPr>
-        <p:txBody>
-          <a:bodyPr wrap="none" rtlCol="0">
-            <a:spAutoFit/>
-          </a:bodyPr>
-          <a:lstStyle/>
-          <a:p>
-            <a:r>
-              <a:rPr lang="en-US" sz="2800" dirty="0" smtClean="0"/>
-              <a:t>Click on </a:t>
-            </a:r>
-            <a:r>
-              <a:rPr lang="en-US" sz="2800" i="1" dirty="0" smtClean="0"/>
-              <a:t>A</a:t>
-            </a:r>
-          </a:p>
-          <a:p>
-            <a:r>
-              <a:rPr lang="en-US" sz="2800" i="1" dirty="0" err="1" smtClean="0"/>
-              <a:t>onClick</a:t>
-            </a:r>
-            <a:r>
-              <a:rPr lang="en-US" sz="2800" i="1" dirty="0" smtClean="0"/>
-              <a:t>=x()</a:t>
-            </a:r>
-            <a:endParaRPr lang="en-US" sz="2800" i="1" dirty="0"/>
           </a:p>
         </p:txBody>
       </p:sp>
     </p:spTree>
     <p:extLst>
       <p:ext uri="{BB962C8B-B14F-4D97-AF65-F5344CB8AC3E}">
-        <p14:creationId xmlns:p14="http://schemas.microsoft.com/office/powerpoint/2010/main" val="3099539230"/>
+        <p14:creationId xmlns:p14="http://schemas.microsoft.com/office/powerpoint/2010/main" val="1265250497"/>
       </p:ext>
     </p:extLst>
   </p:cSld>
